--- a/tutorial/connecting_pc/media/connecting_pc.pptx
+++ b/tutorial/connecting_pc/media/connecting_pc.pptx
@@ -5,7 +5,7 @@
     <p:sldMasterId id="2147483648" r:id="rId1"/>
   </p:sldMasterIdLst>
   <p:sldIdLst>
-    <p:sldId id="256" r:id="rId2"/>
+    <p:sldId id="283" r:id="rId2"/>
   </p:sldIdLst>
   <p:sldSz cx="12192000" cy="6858000"/>
   <p:notesSz cx="6858000" cy="9144000"/>
@@ -241,7 +241,7 @@
           <a:p>
             <a:fld id="{26B1B046-F6AE-48E1-97A2-EE22E241F2BC}" type="datetimeFigureOut">
               <a:rPr lang="zh-CN" altLang="en-US" smtClean="0"/>
-              <a:t>2019/8/20</a:t>
+              <a:t>2019/9/16</a:t>
             </a:fld>
             <a:endParaRPr lang="zh-CN" altLang="en-US"/>
           </a:p>
@@ -409,7 +409,7 @@
           <a:p>
             <a:fld id="{26B1B046-F6AE-48E1-97A2-EE22E241F2BC}" type="datetimeFigureOut">
               <a:rPr lang="zh-CN" altLang="en-US" smtClean="0"/>
-              <a:t>2019/8/20</a:t>
+              <a:t>2019/9/16</a:t>
             </a:fld>
             <a:endParaRPr lang="zh-CN" altLang="en-US"/>
           </a:p>
@@ -587,7 +587,7 @@
           <a:p>
             <a:fld id="{26B1B046-F6AE-48E1-97A2-EE22E241F2BC}" type="datetimeFigureOut">
               <a:rPr lang="zh-CN" altLang="en-US" smtClean="0"/>
-              <a:t>2019/8/20</a:t>
+              <a:t>2019/9/16</a:t>
             </a:fld>
             <a:endParaRPr lang="zh-CN" altLang="en-US"/>
           </a:p>
@@ -755,7 +755,7 @@
           <a:p>
             <a:fld id="{26B1B046-F6AE-48E1-97A2-EE22E241F2BC}" type="datetimeFigureOut">
               <a:rPr lang="zh-CN" altLang="en-US" smtClean="0"/>
-              <a:t>2019/8/20</a:t>
+              <a:t>2019/9/16</a:t>
             </a:fld>
             <a:endParaRPr lang="zh-CN" altLang="en-US"/>
           </a:p>
@@ -1000,7 +1000,7 @@
           <a:p>
             <a:fld id="{26B1B046-F6AE-48E1-97A2-EE22E241F2BC}" type="datetimeFigureOut">
               <a:rPr lang="zh-CN" altLang="en-US" smtClean="0"/>
-              <a:t>2019/8/20</a:t>
+              <a:t>2019/9/16</a:t>
             </a:fld>
             <a:endParaRPr lang="zh-CN" altLang="en-US"/>
           </a:p>
@@ -1229,7 +1229,7 @@
           <a:p>
             <a:fld id="{26B1B046-F6AE-48E1-97A2-EE22E241F2BC}" type="datetimeFigureOut">
               <a:rPr lang="zh-CN" altLang="en-US" smtClean="0"/>
-              <a:t>2019/8/20</a:t>
+              <a:t>2019/9/16</a:t>
             </a:fld>
             <a:endParaRPr lang="zh-CN" altLang="en-US"/>
           </a:p>
@@ -1593,7 +1593,7 @@
           <a:p>
             <a:fld id="{26B1B046-F6AE-48E1-97A2-EE22E241F2BC}" type="datetimeFigureOut">
               <a:rPr lang="zh-CN" altLang="en-US" smtClean="0"/>
-              <a:t>2019/8/20</a:t>
+              <a:t>2019/9/16</a:t>
             </a:fld>
             <a:endParaRPr lang="zh-CN" altLang="en-US"/>
           </a:p>
@@ -1710,7 +1710,7 @@
           <a:p>
             <a:fld id="{26B1B046-F6AE-48E1-97A2-EE22E241F2BC}" type="datetimeFigureOut">
               <a:rPr lang="zh-CN" altLang="en-US" smtClean="0"/>
-              <a:t>2019/8/20</a:t>
+              <a:t>2019/9/16</a:t>
             </a:fld>
             <a:endParaRPr lang="zh-CN" altLang="en-US"/>
           </a:p>
@@ -1805,7 +1805,7 @@
           <a:p>
             <a:fld id="{26B1B046-F6AE-48E1-97A2-EE22E241F2BC}" type="datetimeFigureOut">
               <a:rPr lang="zh-CN" altLang="en-US" smtClean="0"/>
-              <a:t>2019/8/20</a:t>
+              <a:t>2019/9/16</a:t>
             </a:fld>
             <a:endParaRPr lang="zh-CN" altLang="en-US"/>
           </a:p>
@@ -2080,7 +2080,7 @@
           <a:p>
             <a:fld id="{26B1B046-F6AE-48E1-97A2-EE22E241F2BC}" type="datetimeFigureOut">
               <a:rPr lang="zh-CN" altLang="en-US" smtClean="0"/>
-              <a:t>2019/8/20</a:t>
+              <a:t>2019/9/16</a:t>
             </a:fld>
             <a:endParaRPr lang="zh-CN" altLang="en-US"/>
           </a:p>
@@ -2332,7 +2332,7 @@
           <a:p>
             <a:fld id="{26B1B046-F6AE-48E1-97A2-EE22E241F2BC}" type="datetimeFigureOut">
               <a:rPr lang="zh-CN" altLang="en-US" smtClean="0"/>
-              <a:t>2019/8/20</a:t>
+              <a:t>2019/9/16</a:t>
             </a:fld>
             <a:endParaRPr lang="zh-CN" altLang="en-US"/>
           </a:p>
@@ -2543,7 +2543,7 @@
           <a:p>
             <a:fld id="{26B1B046-F6AE-48E1-97A2-EE22E241F2BC}" type="datetimeFigureOut">
               <a:rPr lang="zh-CN" altLang="en-US" smtClean="0"/>
-              <a:t>2019/8/20</a:t>
+              <a:t>2019/9/16</a:t>
             </a:fld>
             <a:endParaRPr lang="zh-CN" altLang="en-US"/>
           </a:p>
@@ -2983,1990 +2983,2165 @@
           </a:p>
         </p:txBody>
       </p:sp>
-      <p:grpSp>
-        <p:nvGrpSpPr>
-          <p:cNvPr id="10" name="组合 9">
+      <p:sp>
+        <p:nvSpPr>
+          <p:cNvPr id="16" name="Freeform 62"/>
+          <p:cNvSpPr>
+            <a:spLocks noEditPoints="1"/>
+          </p:cNvSpPr>
+          <p:nvPr/>
+        </p:nvSpPr>
+        <p:spPr bwMode="auto">
+          <a:xfrm>
+            <a:off x="1736069" y="2415760"/>
+            <a:ext cx="537659" cy="422285"/>
+          </a:xfrm>
+          <a:custGeom>
+            <a:avLst/>
+            <a:gdLst>
+              <a:gd name="T0" fmla="*/ 39 w 72"/>
+              <a:gd name="T1" fmla="*/ 24 h 56"/>
+              <a:gd name="T2" fmla="*/ 48 w 72"/>
+              <a:gd name="T3" fmla="*/ 15 h 56"/>
+              <a:gd name="T4" fmla="*/ 48 w 72"/>
+              <a:gd name="T5" fmla="*/ 5 h 56"/>
+              <a:gd name="T6" fmla="*/ 52 w 72"/>
+              <a:gd name="T7" fmla="*/ 1 h 56"/>
+              <a:gd name="T8" fmla="*/ 56 w 72"/>
+              <a:gd name="T9" fmla="*/ 5 h 56"/>
+              <a:gd name="T10" fmla="*/ 56 w 72"/>
+              <a:gd name="T11" fmla="*/ 12 h 56"/>
+              <a:gd name="T12" fmla="*/ 64 w 72"/>
+              <a:gd name="T13" fmla="*/ 12 h 56"/>
+              <a:gd name="T14" fmla="*/ 68 w 72"/>
+              <a:gd name="T15" fmla="*/ 16 h 56"/>
+              <a:gd name="T16" fmla="*/ 64 w 72"/>
+              <a:gd name="T17" fmla="*/ 20 h 56"/>
+              <a:gd name="T18" fmla="*/ 54 w 72"/>
+              <a:gd name="T19" fmla="*/ 20 h 56"/>
+              <a:gd name="T20" fmla="*/ 44 w 72"/>
+              <a:gd name="T21" fmla="*/ 31 h 56"/>
+              <a:gd name="T22" fmla="*/ 44 w 72"/>
+              <a:gd name="T23" fmla="*/ 32 h 56"/>
+              <a:gd name="T24" fmla="*/ 36 w 72"/>
+              <a:gd name="T25" fmla="*/ 40 h 56"/>
+              <a:gd name="T26" fmla="*/ 28 w 72"/>
+              <a:gd name="T27" fmla="*/ 32 h 56"/>
+              <a:gd name="T28" fmla="*/ 36 w 72"/>
+              <a:gd name="T29" fmla="*/ 24 h 56"/>
+              <a:gd name="T30" fmla="*/ 39 w 72"/>
+              <a:gd name="T31" fmla="*/ 24 h 56"/>
+              <a:gd name="T32" fmla="*/ 36 w 72"/>
+              <a:gd name="T33" fmla="*/ 0 h 56"/>
+              <a:gd name="T34" fmla="*/ 39 w 72"/>
+              <a:gd name="T35" fmla="*/ 0 h 56"/>
+              <a:gd name="T36" fmla="*/ 42 w 72"/>
+              <a:gd name="T37" fmla="*/ 4 h 56"/>
+              <a:gd name="T38" fmla="*/ 38 w 72"/>
+              <a:gd name="T39" fmla="*/ 8 h 56"/>
+              <a:gd name="T40" fmla="*/ 36 w 72"/>
+              <a:gd name="T41" fmla="*/ 8 h 56"/>
+              <a:gd name="T42" fmla="*/ 20 w 72"/>
+              <a:gd name="T43" fmla="*/ 24 h 56"/>
+              <a:gd name="T44" fmla="*/ 20 w 72"/>
+              <a:gd name="T45" fmla="*/ 28 h 56"/>
+              <a:gd name="T46" fmla="*/ 16 w 72"/>
+              <a:gd name="T47" fmla="*/ 28 h 56"/>
+              <a:gd name="T48" fmla="*/ 8 w 72"/>
+              <a:gd name="T49" fmla="*/ 38 h 56"/>
+              <a:gd name="T50" fmla="*/ 18 w 72"/>
+              <a:gd name="T51" fmla="*/ 48 h 56"/>
+              <a:gd name="T52" fmla="*/ 54 w 72"/>
+              <a:gd name="T53" fmla="*/ 48 h 56"/>
+              <a:gd name="T54" fmla="*/ 64 w 72"/>
+              <a:gd name="T55" fmla="*/ 38 h 56"/>
+              <a:gd name="T56" fmla="*/ 62 w 72"/>
+              <a:gd name="T57" fmla="*/ 32 h 56"/>
+              <a:gd name="T58" fmla="*/ 61 w 72"/>
+              <a:gd name="T59" fmla="*/ 30 h 56"/>
+              <a:gd name="T60" fmla="*/ 62 w 72"/>
+              <a:gd name="T61" fmla="*/ 25 h 56"/>
+              <a:gd name="T62" fmla="*/ 67 w 72"/>
+              <a:gd name="T63" fmla="*/ 26 h 56"/>
+              <a:gd name="T64" fmla="*/ 69 w 72"/>
+              <a:gd name="T65" fmla="*/ 28 h 56"/>
+              <a:gd name="T66" fmla="*/ 72 w 72"/>
+              <a:gd name="T67" fmla="*/ 38 h 56"/>
+              <a:gd name="T68" fmla="*/ 54 w 72"/>
+              <a:gd name="T69" fmla="*/ 56 h 56"/>
+              <a:gd name="T70" fmla="*/ 18 w 72"/>
+              <a:gd name="T71" fmla="*/ 56 h 56"/>
+              <a:gd name="T72" fmla="*/ 0 w 72"/>
+              <a:gd name="T73" fmla="*/ 38 h 56"/>
+              <a:gd name="T74" fmla="*/ 12 w 72"/>
+              <a:gd name="T75" fmla="*/ 21 h 56"/>
+              <a:gd name="T76" fmla="*/ 36 w 72"/>
+              <a:gd name="T77" fmla="*/ 0 h 56"/>
+            </a:gdLst>
+            <a:ahLst/>
+            <a:cxnLst>
+              <a:cxn ang="0">
+                <a:pos x="T0" y="T1"/>
+              </a:cxn>
+              <a:cxn ang="0">
+                <a:pos x="T2" y="T3"/>
+              </a:cxn>
+              <a:cxn ang="0">
+                <a:pos x="T4" y="T5"/>
+              </a:cxn>
+              <a:cxn ang="0">
+                <a:pos x="T6" y="T7"/>
+              </a:cxn>
+              <a:cxn ang="0">
+                <a:pos x="T8" y="T9"/>
+              </a:cxn>
+              <a:cxn ang="0">
+                <a:pos x="T10" y="T11"/>
+              </a:cxn>
+              <a:cxn ang="0">
+                <a:pos x="T12" y="T13"/>
+              </a:cxn>
+              <a:cxn ang="0">
+                <a:pos x="T14" y="T15"/>
+              </a:cxn>
+              <a:cxn ang="0">
+                <a:pos x="T16" y="T17"/>
+              </a:cxn>
+              <a:cxn ang="0">
+                <a:pos x="T18" y="T19"/>
+              </a:cxn>
+              <a:cxn ang="0">
+                <a:pos x="T20" y="T21"/>
+              </a:cxn>
+              <a:cxn ang="0">
+                <a:pos x="T22" y="T23"/>
+              </a:cxn>
+              <a:cxn ang="0">
+                <a:pos x="T24" y="T25"/>
+              </a:cxn>
+              <a:cxn ang="0">
+                <a:pos x="T26" y="T27"/>
+              </a:cxn>
+              <a:cxn ang="0">
+                <a:pos x="T28" y="T29"/>
+              </a:cxn>
+              <a:cxn ang="0">
+                <a:pos x="T30" y="T31"/>
+              </a:cxn>
+              <a:cxn ang="0">
+                <a:pos x="T32" y="T33"/>
+              </a:cxn>
+              <a:cxn ang="0">
+                <a:pos x="T34" y="T35"/>
+              </a:cxn>
+              <a:cxn ang="0">
+                <a:pos x="T36" y="T37"/>
+              </a:cxn>
+              <a:cxn ang="0">
+                <a:pos x="T38" y="T39"/>
+              </a:cxn>
+              <a:cxn ang="0">
+                <a:pos x="T40" y="T41"/>
+              </a:cxn>
+              <a:cxn ang="0">
+                <a:pos x="T42" y="T43"/>
+              </a:cxn>
+              <a:cxn ang="0">
+                <a:pos x="T44" y="T45"/>
+              </a:cxn>
+              <a:cxn ang="0">
+                <a:pos x="T46" y="T47"/>
+              </a:cxn>
+              <a:cxn ang="0">
+                <a:pos x="T48" y="T49"/>
+              </a:cxn>
+              <a:cxn ang="0">
+                <a:pos x="T50" y="T51"/>
+              </a:cxn>
+              <a:cxn ang="0">
+                <a:pos x="T52" y="T53"/>
+              </a:cxn>
+              <a:cxn ang="0">
+                <a:pos x="T54" y="T55"/>
+              </a:cxn>
+              <a:cxn ang="0">
+                <a:pos x="T56" y="T57"/>
+              </a:cxn>
+              <a:cxn ang="0">
+                <a:pos x="T58" y="T59"/>
+              </a:cxn>
+              <a:cxn ang="0">
+                <a:pos x="T60" y="T61"/>
+              </a:cxn>
+              <a:cxn ang="0">
+                <a:pos x="T62" y="T63"/>
+              </a:cxn>
+              <a:cxn ang="0">
+                <a:pos x="T64" y="T65"/>
+              </a:cxn>
+              <a:cxn ang="0">
+                <a:pos x="T66" y="T67"/>
+              </a:cxn>
+              <a:cxn ang="0">
+                <a:pos x="T68" y="T69"/>
+              </a:cxn>
+              <a:cxn ang="0">
+                <a:pos x="T70" y="T71"/>
+              </a:cxn>
+              <a:cxn ang="0">
+                <a:pos x="T72" y="T73"/>
+              </a:cxn>
+              <a:cxn ang="0">
+                <a:pos x="T74" y="T75"/>
+              </a:cxn>
+              <a:cxn ang="0">
+                <a:pos x="T76" y="T77"/>
+              </a:cxn>
+            </a:cxnLst>
+            <a:rect l="0" t="0" r="r" b="b"/>
+            <a:pathLst>
+              <a:path w="72" h="56">
+                <a:moveTo>
+                  <a:pt x="39" y="24"/>
+                </a:moveTo>
+                <a:cubicBezTo>
+                  <a:pt x="48" y="15"/>
+                  <a:pt x="48" y="15"/>
+                  <a:pt x="48" y="15"/>
+                </a:cubicBezTo>
+                <a:cubicBezTo>
+                  <a:pt x="48" y="5"/>
+                  <a:pt x="48" y="5"/>
+                  <a:pt x="48" y="5"/>
+                </a:cubicBezTo>
+                <a:cubicBezTo>
+                  <a:pt x="48" y="3"/>
+                  <a:pt x="50" y="1"/>
+                  <a:pt x="52" y="1"/>
+                </a:cubicBezTo>
+                <a:cubicBezTo>
+                  <a:pt x="54" y="1"/>
+                  <a:pt x="56" y="3"/>
+                  <a:pt x="56" y="5"/>
+                </a:cubicBezTo>
+                <a:cubicBezTo>
+                  <a:pt x="56" y="12"/>
+                  <a:pt x="56" y="12"/>
+                  <a:pt x="56" y="12"/>
+                </a:cubicBezTo>
+                <a:cubicBezTo>
+                  <a:pt x="64" y="12"/>
+                  <a:pt x="64" y="12"/>
+                  <a:pt x="64" y="12"/>
+                </a:cubicBezTo>
+                <a:cubicBezTo>
+                  <a:pt x="66" y="12"/>
+                  <a:pt x="68" y="14"/>
+                  <a:pt x="68" y="16"/>
+                </a:cubicBezTo>
+                <a:cubicBezTo>
+                  <a:pt x="68" y="18"/>
+                  <a:pt x="66" y="20"/>
+                  <a:pt x="64" y="20"/>
+                </a:cubicBezTo>
+                <a:cubicBezTo>
+                  <a:pt x="54" y="20"/>
+                  <a:pt x="54" y="20"/>
+                  <a:pt x="54" y="20"/>
+                </a:cubicBezTo>
+                <a:cubicBezTo>
+                  <a:pt x="44" y="31"/>
+                  <a:pt x="44" y="31"/>
+                  <a:pt x="44" y="31"/>
+                </a:cubicBezTo>
+                <a:cubicBezTo>
+                  <a:pt x="44" y="31"/>
+                  <a:pt x="44" y="32"/>
+                  <a:pt x="44" y="32"/>
+                </a:cubicBezTo>
+                <a:cubicBezTo>
+                  <a:pt x="44" y="36"/>
+                  <a:pt x="40" y="40"/>
+                  <a:pt x="36" y="40"/>
+                </a:cubicBezTo>
+                <a:cubicBezTo>
+                  <a:pt x="32" y="40"/>
+                  <a:pt x="28" y="36"/>
+                  <a:pt x="28" y="32"/>
+                </a:cubicBezTo>
+                <a:cubicBezTo>
+                  <a:pt x="28" y="28"/>
+                  <a:pt x="32" y="24"/>
+                  <a:pt x="36" y="24"/>
+                </a:cubicBezTo>
+                <a:cubicBezTo>
+                  <a:pt x="37" y="24"/>
+                  <a:pt x="38" y="24"/>
+                  <a:pt x="39" y="24"/>
+                </a:cubicBezTo>
+                <a:close/>
+                <a:moveTo>
+                  <a:pt x="36" y="0"/>
+                </a:moveTo>
+                <a:cubicBezTo>
+                  <a:pt x="37" y="0"/>
+                  <a:pt x="38" y="0"/>
+                  <a:pt x="39" y="0"/>
+                </a:cubicBezTo>
+                <a:cubicBezTo>
+                  <a:pt x="41" y="0"/>
+                  <a:pt x="42" y="2"/>
+                  <a:pt x="42" y="4"/>
+                </a:cubicBezTo>
+                <a:cubicBezTo>
+                  <a:pt x="42" y="7"/>
+                  <a:pt x="40" y="8"/>
+                  <a:pt x="38" y="8"/>
+                </a:cubicBezTo>
+                <a:cubicBezTo>
+                  <a:pt x="37" y="8"/>
+                  <a:pt x="37" y="8"/>
+                  <a:pt x="36" y="8"/>
+                </a:cubicBezTo>
+                <a:cubicBezTo>
+                  <a:pt x="27" y="8"/>
+                  <a:pt x="20" y="15"/>
+                  <a:pt x="20" y="24"/>
+                </a:cubicBezTo>
+                <a:cubicBezTo>
+                  <a:pt x="20" y="28"/>
+                  <a:pt x="20" y="28"/>
+                  <a:pt x="20" y="28"/>
+                </a:cubicBezTo>
+                <a:cubicBezTo>
+                  <a:pt x="16" y="28"/>
+                  <a:pt x="16" y="28"/>
+                  <a:pt x="16" y="28"/>
+                </a:cubicBezTo>
+                <a:cubicBezTo>
+                  <a:pt x="12" y="29"/>
+                  <a:pt x="8" y="33"/>
+                  <a:pt x="8" y="38"/>
+                </a:cubicBezTo>
+                <a:cubicBezTo>
+                  <a:pt x="8" y="44"/>
+                  <a:pt x="12" y="48"/>
+                  <a:pt x="18" y="48"/>
+                </a:cubicBezTo>
+                <a:cubicBezTo>
+                  <a:pt x="54" y="48"/>
+                  <a:pt x="54" y="48"/>
+                  <a:pt x="54" y="48"/>
+                </a:cubicBezTo>
+                <a:cubicBezTo>
+                  <a:pt x="60" y="48"/>
+                  <a:pt x="64" y="44"/>
+                  <a:pt x="64" y="38"/>
+                </a:cubicBezTo>
+                <a:cubicBezTo>
+                  <a:pt x="64" y="36"/>
+                  <a:pt x="63" y="34"/>
+                  <a:pt x="62" y="32"/>
+                </a:cubicBezTo>
+                <a:cubicBezTo>
+                  <a:pt x="62" y="32"/>
+                  <a:pt x="62" y="32"/>
+                  <a:pt x="61" y="30"/>
+                </a:cubicBezTo>
+                <a:cubicBezTo>
+                  <a:pt x="60" y="29"/>
+                  <a:pt x="60" y="26"/>
+                  <a:pt x="62" y="25"/>
+                </a:cubicBezTo>
+                <a:cubicBezTo>
+                  <a:pt x="63" y="24"/>
+                  <a:pt x="66" y="24"/>
+                  <a:pt x="67" y="26"/>
+                </a:cubicBezTo>
+                <a:cubicBezTo>
+                  <a:pt x="68" y="27"/>
+                  <a:pt x="68" y="27"/>
+                  <a:pt x="69" y="28"/>
+                </a:cubicBezTo>
+                <a:cubicBezTo>
+                  <a:pt x="71" y="31"/>
+                  <a:pt x="72" y="34"/>
+                  <a:pt x="72" y="38"/>
+                </a:cubicBezTo>
+                <a:cubicBezTo>
+                  <a:pt x="72" y="48"/>
+                  <a:pt x="64" y="56"/>
+                  <a:pt x="54" y="56"/>
+                </a:cubicBezTo>
+                <a:cubicBezTo>
+                  <a:pt x="18" y="56"/>
+                  <a:pt x="18" y="56"/>
+                  <a:pt x="18" y="56"/>
+                </a:cubicBezTo>
+                <a:cubicBezTo>
+                  <a:pt x="8" y="56"/>
+                  <a:pt x="0" y="48"/>
+                  <a:pt x="0" y="38"/>
+                </a:cubicBezTo>
+                <a:cubicBezTo>
+                  <a:pt x="0" y="30"/>
+                  <a:pt x="5" y="23"/>
+                  <a:pt x="12" y="21"/>
+                </a:cubicBezTo>
+                <a:cubicBezTo>
+                  <a:pt x="14" y="9"/>
+                  <a:pt x="24" y="0"/>
+                  <a:pt x="36" y="0"/>
+                </a:cubicBezTo>
+                <a:close/>
+              </a:path>
+            </a:pathLst>
+          </a:custGeom>
+          <a:solidFill>
+            <a:srgbClr val="7DC3FF"/>
+          </a:solidFill>
+          <a:ln>
+            <a:noFill/>
+          </a:ln>
+        </p:spPr>
+        <p:txBody>
+          <a:bodyPr vert="horz" wrap="square" lIns="91440" tIns="45720" rIns="91440" bIns="45720" numCol="1" anchor="t" anchorCtr="0" compatLnSpc="1">
+            <a:prstTxWarp prst="textNoShape">
+              <a:avLst/>
+            </a:prstTxWarp>
+          </a:bodyPr>
+          <a:lstStyle/>
+          <a:p>
+            <a:endParaRPr lang="zh-CN" altLang="en-US" sz="1000"/>
+          </a:p>
+        </p:txBody>
+      </p:sp>
+      <p:sp>
+        <p:nvSpPr>
+          <p:cNvPr id="17" name="文本框 16"/>
+          <p:cNvSpPr txBox="1"/>
+          <p:nvPr/>
+        </p:nvSpPr>
+        <p:spPr>
+          <a:xfrm>
+            <a:off x="1525223" y="2968918"/>
+            <a:ext cx="959350" cy="246221"/>
+          </a:xfrm>
+          <a:prstGeom prst="rect">
+            <a:avLst/>
+          </a:prstGeom>
+          <a:noFill/>
+        </p:spPr>
+        <p:txBody>
+          <a:bodyPr wrap="square" rtlCol="0">
+            <a:spAutoFit/>
+          </a:bodyPr>
+          <a:lstStyle/>
+          <a:p>
+            <a:pPr algn="ctr"/>
+            <a:r>
+              <a:rPr kumimoji="1" lang="en-US" altLang="zh-CN" sz="1000" b="1" dirty="0">
+                <a:solidFill>
+                  <a:srgbClr val="383C57"/>
+                </a:solidFill>
+                <a:latin typeface="Arial" panose="020B0604020202020204" pitchFamily="34" charset="0"/>
+                <a:cs typeface="Arial" panose="020B0604020202020204" pitchFamily="34" charset="0"/>
+              </a:rPr>
+              <a:t>IoT Hub</a:t>
+            </a:r>
+            <a:endParaRPr kumimoji="1" lang="zh-CN" altLang="en-US" sz="1000" b="1" dirty="0">
+              <a:solidFill>
+                <a:srgbClr val="383C57"/>
+              </a:solidFill>
+              <a:latin typeface="Arial" panose="020B0604020202020204" pitchFamily="34" charset="0"/>
+              <a:cs typeface="Arial" panose="020B0604020202020204" pitchFamily="34" charset="0"/>
+            </a:endParaRPr>
+          </a:p>
+        </p:txBody>
+      </p:sp>
+      <p:sp>
+        <p:nvSpPr>
+          <p:cNvPr id="20" name="矩形 19">
             <a:extLst>
               <a:ext uri="{FF2B5EF4-FFF2-40B4-BE49-F238E27FC236}">
-                <a16:creationId xmlns:a16="http://schemas.microsoft.com/office/drawing/2014/main" id="{E0660B44-3E36-044E-90CF-BBF7C8849BD9}"/>
+                <a16:creationId xmlns:a16="http://schemas.microsoft.com/office/drawing/2014/main" id="{940F5D82-BAEA-6A48-99ED-2FFA4C8794CA}"/>
               </a:ext>
             </a:extLst>
           </p:cNvPr>
-          <p:cNvGrpSpPr/>
+          <p:cNvSpPr/>
           <p:nvPr/>
-        </p:nvGrpSpPr>
-        <p:grpSpPr>
+        </p:nvSpPr>
+        <p:spPr>
           <a:xfrm>
-            <a:off x="37590" y="3028890"/>
-            <a:ext cx="12074108" cy="1059551"/>
-            <a:chOff x="37590" y="3028890"/>
-            <a:chExt cx="12074108" cy="1059551"/>
+            <a:off x="3119143" y="2326849"/>
+            <a:ext cx="1369602" cy="676139"/>
           </a:xfrm>
-        </p:grpSpPr>
-        <p:sp>
-          <p:nvSpPr>
-            <p:cNvPr id="16" name="Freeform 62"/>
-            <p:cNvSpPr>
-              <a:spLocks noEditPoints="1"/>
-            </p:cNvSpPr>
-            <p:nvPr/>
-          </p:nvSpPr>
-          <p:spPr bwMode="auto">
-            <a:xfrm>
-              <a:off x="2578548" y="3289062"/>
-              <a:ext cx="537659" cy="422285"/>
-            </a:xfrm>
-            <a:custGeom>
-              <a:avLst/>
-              <a:gdLst>
-                <a:gd name="T0" fmla="*/ 39 w 72"/>
-                <a:gd name="T1" fmla="*/ 24 h 56"/>
-                <a:gd name="T2" fmla="*/ 48 w 72"/>
-                <a:gd name="T3" fmla="*/ 15 h 56"/>
-                <a:gd name="T4" fmla="*/ 48 w 72"/>
-                <a:gd name="T5" fmla="*/ 5 h 56"/>
-                <a:gd name="T6" fmla="*/ 52 w 72"/>
-                <a:gd name="T7" fmla="*/ 1 h 56"/>
-                <a:gd name="T8" fmla="*/ 56 w 72"/>
-                <a:gd name="T9" fmla="*/ 5 h 56"/>
-                <a:gd name="T10" fmla="*/ 56 w 72"/>
-                <a:gd name="T11" fmla="*/ 12 h 56"/>
-                <a:gd name="T12" fmla="*/ 64 w 72"/>
-                <a:gd name="T13" fmla="*/ 12 h 56"/>
-                <a:gd name="T14" fmla="*/ 68 w 72"/>
-                <a:gd name="T15" fmla="*/ 16 h 56"/>
-                <a:gd name="T16" fmla="*/ 64 w 72"/>
-                <a:gd name="T17" fmla="*/ 20 h 56"/>
-                <a:gd name="T18" fmla="*/ 54 w 72"/>
-                <a:gd name="T19" fmla="*/ 20 h 56"/>
-                <a:gd name="T20" fmla="*/ 44 w 72"/>
-                <a:gd name="T21" fmla="*/ 31 h 56"/>
-                <a:gd name="T22" fmla="*/ 44 w 72"/>
-                <a:gd name="T23" fmla="*/ 32 h 56"/>
-                <a:gd name="T24" fmla="*/ 36 w 72"/>
-                <a:gd name="T25" fmla="*/ 40 h 56"/>
-                <a:gd name="T26" fmla="*/ 28 w 72"/>
-                <a:gd name="T27" fmla="*/ 32 h 56"/>
-                <a:gd name="T28" fmla="*/ 36 w 72"/>
-                <a:gd name="T29" fmla="*/ 24 h 56"/>
-                <a:gd name="T30" fmla="*/ 39 w 72"/>
-                <a:gd name="T31" fmla="*/ 24 h 56"/>
-                <a:gd name="T32" fmla="*/ 36 w 72"/>
-                <a:gd name="T33" fmla="*/ 0 h 56"/>
-                <a:gd name="T34" fmla="*/ 39 w 72"/>
-                <a:gd name="T35" fmla="*/ 0 h 56"/>
-                <a:gd name="T36" fmla="*/ 42 w 72"/>
-                <a:gd name="T37" fmla="*/ 4 h 56"/>
-                <a:gd name="T38" fmla="*/ 38 w 72"/>
-                <a:gd name="T39" fmla="*/ 8 h 56"/>
-                <a:gd name="T40" fmla="*/ 36 w 72"/>
-                <a:gd name="T41" fmla="*/ 8 h 56"/>
-                <a:gd name="T42" fmla="*/ 20 w 72"/>
-                <a:gd name="T43" fmla="*/ 24 h 56"/>
-                <a:gd name="T44" fmla="*/ 20 w 72"/>
-                <a:gd name="T45" fmla="*/ 28 h 56"/>
-                <a:gd name="T46" fmla="*/ 16 w 72"/>
-                <a:gd name="T47" fmla="*/ 28 h 56"/>
-                <a:gd name="T48" fmla="*/ 8 w 72"/>
-                <a:gd name="T49" fmla="*/ 38 h 56"/>
-                <a:gd name="T50" fmla="*/ 18 w 72"/>
-                <a:gd name="T51" fmla="*/ 48 h 56"/>
-                <a:gd name="T52" fmla="*/ 54 w 72"/>
-                <a:gd name="T53" fmla="*/ 48 h 56"/>
-                <a:gd name="T54" fmla="*/ 64 w 72"/>
-                <a:gd name="T55" fmla="*/ 38 h 56"/>
-                <a:gd name="T56" fmla="*/ 62 w 72"/>
-                <a:gd name="T57" fmla="*/ 32 h 56"/>
-                <a:gd name="T58" fmla="*/ 61 w 72"/>
-                <a:gd name="T59" fmla="*/ 30 h 56"/>
-                <a:gd name="T60" fmla="*/ 62 w 72"/>
-                <a:gd name="T61" fmla="*/ 25 h 56"/>
-                <a:gd name="T62" fmla="*/ 67 w 72"/>
-                <a:gd name="T63" fmla="*/ 26 h 56"/>
-                <a:gd name="T64" fmla="*/ 69 w 72"/>
-                <a:gd name="T65" fmla="*/ 28 h 56"/>
-                <a:gd name="T66" fmla="*/ 72 w 72"/>
-                <a:gd name="T67" fmla="*/ 38 h 56"/>
-                <a:gd name="T68" fmla="*/ 54 w 72"/>
-                <a:gd name="T69" fmla="*/ 56 h 56"/>
-                <a:gd name="T70" fmla="*/ 18 w 72"/>
-                <a:gd name="T71" fmla="*/ 56 h 56"/>
-                <a:gd name="T72" fmla="*/ 0 w 72"/>
-                <a:gd name="T73" fmla="*/ 38 h 56"/>
-                <a:gd name="T74" fmla="*/ 12 w 72"/>
-                <a:gd name="T75" fmla="*/ 21 h 56"/>
-                <a:gd name="T76" fmla="*/ 36 w 72"/>
-                <a:gd name="T77" fmla="*/ 0 h 56"/>
-              </a:gdLst>
-              <a:ahLst/>
-              <a:cxnLst>
-                <a:cxn ang="0">
-                  <a:pos x="T0" y="T1"/>
-                </a:cxn>
-                <a:cxn ang="0">
-                  <a:pos x="T2" y="T3"/>
-                </a:cxn>
-                <a:cxn ang="0">
-                  <a:pos x="T4" y="T5"/>
-                </a:cxn>
-                <a:cxn ang="0">
-                  <a:pos x="T6" y="T7"/>
-                </a:cxn>
-                <a:cxn ang="0">
-                  <a:pos x="T8" y="T9"/>
-                </a:cxn>
-                <a:cxn ang="0">
-                  <a:pos x="T10" y="T11"/>
-                </a:cxn>
-                <a:cxn ang="0">
-                  <a:pos x="T12" y="T13"/>
-                </a:cxn>
-                <a:cxn ang="0">
-                  <a:pos x="T14" y="T15"/>
-                </a:cxn>
-                <a:cxn ang="0">
-                  <a:pos x="T16" y="T17"/>
-                </a:cxn>
-                <a:cxn ang="0">
-                  <a:pos x="T18" y="T19"/>
-                </a:cxn>
-                <a:cxn ang="0">
-                  <a:pos x="T20" y="T21"/>
-                </a:cxn>
-                <a:cxn ang="0">
-                  <a:pos x="T22" y="T23"/>
-                </a:cxn>
-                <a:cxn ang="0">
-                  <a:pos x="T24" y="T25"/>
-                </a:cxn>
-                <a:cxn ang="0">
-                  <a:pos x="T26" y="T27"/>
-                </a:cxn>
-                <a:cxn ang="0">
-                  <a:pos x="T28" y="T29"/>
-                </a:cxn>
-                <a:cxn ang="0">
-                  <a:pos x="T30" y="T31"/>
-                </a:cxn>
-                <a:cxn ang="0">
-                  <a:pos x="T32" y="T33"/>
-                </a:cxn>
-                <a:cxn ang="0">
-                  <a:pos x="T34" y="T35"/>
-                </a:cxn>
-                <a:cxn ang="0">
-                  <a:pos x="T36" y="T37"/>
-                </a:cxn>
-                <a:cxn ang="0">
-                  <a:pos x="T38" y="T39"/>
-                </a:cxn>
-                <a:cxn ang="0">
-                  <a:pos x="T40" y="T41"/>
-                </a:cxn>
-                <a:cxn ang="0">
-                  <a:pos x="T42" y="T43"/>
-                </a:cxn>
-                <a:cxn ang="0">
-                  <a:pos x="T44" y="T45"/>
-                </a:cxn>
-                <a:cxn ang="0">
-                  <a:pos x="T46" y="T47"/>
-                </a:cxn>
-                <a:cxn ang="0">
-                  <a:pos x="T48" y="T49"/>
-                </a:cxn>
-                <a:cxn ang="0">
-                  <a:pos x="T50" y="T51"/>
-                </a:cxn>
-                <a:cxn ang="0">
-                  <a:pos x="T52" y="T53"/>
-                </a:cxn>
-                <a:cxn ang="0">
-                  <a:pos x="T54" y="T55"/>
-                </a:cxn>
-                <a:cxn ang="0">
-                  <a:pos x="T56" y="T57"/>
-                </a:cxn>
-                <a:cxn ang="0">
-                  <a:pos x="T58" y="T59"/>
-                </a:cxn>
-                <a:cxn ang="0">
-                  <a:pos x="T60" y="T61"/>
-                </a:cxn>
-                <a:cxn ang="0">
-                  <a:pos x="T62" y="T63"/>
-                </a:cxn>
-                <a:cxn ang="0">
-                  <a:pos x="T64" y="T65"/>
-                </a:cxn>
-                <a:cxn ang="0">
-                  <a:pos x="T66" y="T67"/>
-                </a:cxn>
-                <a:cxn ang="0">
-                  <a:pos x="T68" y="T69"/>
-                </a:cxn>
-                <a:cxn ang="0">
-                  <a:pos x="T70" y="T71"/>
-                </a:cxn>
-                <a:cxn ang="0">
-                  <a:pos x="T72" y="T73"/>
-                </a:cxn>
-                <a:cxn ang="0">
-                  <a:pos x="T74" y="T75"/>
-                </a:cxn>
-                <a:cxn ang="0">
-                  <a:pos x="T76" y="T77"/>
-                </a:cxn>
-              </a:cxnLst>
-              <a:rect l="0" t="0" r="r" b="b"/>
-              <a:pathLst>
-                <a:path w="72" h="56">
-                  <a:moveTo>
-                    <a:pt x="39" y="24"/>
-                  </a:moveTo>
-                  <a:cubicBezTo>
-                    <a:pt x="48" y="15"/>
-                    <a:pt x="48" y="15"/>
-                    <a:pt x="48" y="15"/>
-                  </a:cubicBezTo>
-                  <a:cubicBezTo>
-                    <a:pt x="48" y="5"/>
-                    <a:pt x="48" y="5"/>
-                    <a:pt x="48" y="5"/>
-                  </a:cubicBezTo>
-                  <a:cubicBezTo>
-                    <a:pt x="48" y="3"/>
-                    <a:pt x="50" y="1"/>
-                    <a:pt x="52" y="1"/>
-                  </a:cubicBezTo>
-                  <a:cubicBezTo>
-                    <a:pt x="54" y="1"/>
-                    <a:pt x="56" y="3"/>
-                    <a:pt x="56" y="5"/>
-                  </a:cubicBezTo>
-                  <a:cubicBezTo>
-                    <a:pt x="56" y="12"/>
-                    <a:pt x="56" y="12"/>
-                    <a:pt x="56" y="12"/>
-                  </a:cubicBezTo>
-                  <a:cubicBezTo>
-                    <a:pt x="64" y="12"/>
-                    <a:pt x="64" y="12"/>
-                    <a:pt x="64" y="12"/>
-                  </a:cubicBezTo>
-                  <a:cubicBezTo>
-                    <a:pt x="66" y="12"/>
-                    <a:pt x="68" y="14"/>
-                    <a:pt x="68" y="16"/>
-                  </a:cubicBezTo>
-                  <a:cubicBezTo>
-                    <a:pt x="68" y="18"/>
-                    <a:pt x="66" y="20"/>
-                    <a:pt x="64" y="20"/>
-                  </a:cubicBezTo>
-                  <a:cubicBezTo>
-                    <a:pt x="54" y="20"/>
-                    <a:pt x="54" y="20"/>
-                    <a:pt x="54" y="20"/>
-                  </a:cubicBezTo>
-                  <a:cubicBezTo>
-                    <a:pt x="44" y="31"/>
-                    <a:pt x="44" y="31"/>
-                    <a:pt x="44" y="31"/>
-                  </a:cubicBezTo>
-                  <a:cubicBezTo>
-                    <a:pt x="44" y="31"/>
-                    <a:pt x="44" y="32"/>
-                    <a:pt x="44" y="32"/>
-                  </a:cubicBezTo>
-                  <a:cubicBezTo>
-                    <a:pt x="44" y="36"/>
-                    <a:pt x="40" y="40"/>
-                    <a:pt x="36" y="40"/>
-                  </a:cubicBezTo>
-                  <a:cubicBezTo>
-                    <a:pt x="32" y="40"/>
-                    <a:pt x="28" y="36"/>
-                    <a:pt x="28" y="32"/>
-                  </a:cubicBezTo>
-                  <a:cubicBezTo>
-                    <a:pt x="28" y="28"/>
-                    <a:pt x="32" y="24"/>
-                    <a:pt x="36" y="24"/>
-                  </a:cubicBezTo>
-                  <a:cubicBezTo>
-                    <a:pt x="37" y="24"/>
-                    <a:pt x="38" y="24"/>
-                    <a:pt x="39" y="24"/>
-                  </a:cubicBezTo>
-                  <a:close/>
-                  <a:moveTo>
-                    <a:pt x="36" y="0"/>
-                  </a:moveTo>
-                  <a:cubicBezTo>
-                    <a:pt x="37" y="0"/>
-                    <a:pt x="38" y="0"/>
-                    <a:pt x="39" y="0"/>
-                  </a:cubicBezTo>
-                  <a:cubicBezTo>
-                    <a:pt x="41" y="0"/>
-                    <a:pt x="42" y="2"/>
-                    <a:pt x="42" y="4"/>
-                  </a:cubicBezTo>
-                  <a:cubicBezTo>
-                    <a:pt x="42" y="7"/>
-                    <a:pt x="40" y="8"/>
-                    <a:pt x="38" y="8"/>
-                  </a:cubicBezTo>
-                  <a:cubicBezTo>
-                    <a:pt x="37" y="8"/>
-                    <a:pt x="37" y="8"/>
-                    <a:pt x="36" y="8"/>
-                  </a:cubicBezTo>
-                  <a:cubicBezTo>
-                    <a:pt x="27" y="8"/>
-                    <a:pt x="20" y="15"/>
-                    <a:pt x="20" y="24"/>
-                  </a:cubicBezTo>
-                  <a:cubicBezTo>
-                    <a:pt x="20" y="28"/>
-                    <a:pt x="20" y="28"/>
-                    <a:pt x="20" y="28"/>
-                  </a:cubicBezTo>
-                  <a:cubicBezTo>
-                    <a:pt x="16" y="28"/>
-                    <a:pt x="16" y="28"/>
-                    <a:pt x="16" y="28"/>
-                  </a:cubicBezTo>
-                  <a:cubicBezTo>
-                    <a:pt x="12" y="29"/>
-                    <a:pt x="8" y="33"/>
-                    <a:pt x="8" y="38"/>
-                  </a:cubicBezTo>
-                  <a:cubicBezTo>
-                    <a:pt x="8" y="44"/>
-                    <a:pt x="12" y="48"/>
-                    <a:pt x="18" y="48"/>
-                  </a:cubicBezTo>
-                  <a:cubicBezTo>
-                    <a:pt x="54" y="48"/>
-                    <a:pt x="54" y="48"/>
-                    <a:pt x="54" y="48"/>
-                  </a:cubicBezTo>
-                  <a:cubicBezTo>
-                    <a:pt x="60" y="48"/>
-                    <a:pt x="64" y="44"/>
-                    <a:pt x="64" y="38"/>
-                  </a:cubicBezTo>
-                  <a:cubicBezTo>
-                    <a:pt x="64" y="36"/>
-                    <a:pt x="63" y="34"/>
-                    <a:pt x="62" y="32"/>
-                  </a:cubicBezTo>
-                  <a:cubicBezTo>
-                    <a:pt x="62" y="32"/>
-                    <a:pt x="62" y="32"/>
-                    <a:pt x="61" y="30"/>
-                  </a:cubicBezTo>
-                  <a:cubicBezTo>
-                    <a:pt x="60" y="29"/>
-                    <a:pt x="60" y="26"/>
-                    <a:pt x="62" y="25"/>
-                  </a:cubicBezTo>
-                  <a:cubicBezTo>
-                    <a:pt x="63" y="24"/>
-                    <a:pt x="66" y="24"/>
-                    <a:pt x="67" y="26"/>
-                  </a:cubicBezTo>
-                  <a:cubicBezTo>
-                    <a:pt x="68" y="27"/>
-                    <a:pt x="68" y="27"/>
-                    <a:pt x="69" y="28"/>
-                  </a:cubicBezTo>
-                  <a:cubicBezTo>
-                    <a:pt x="71" y="31"/>
-                    <a:pt x="72" y="34"/>
-                    <a:pt x="72" y="38"/>
-                  </a:cubicBezTo>
-                  <a:cubicBezTo>
-                    <a:pt x="72" y="48"/>
-                    <a:pt x="64" y="56"/>
-                    <a:pt x="54" y="56"/>
-                  </a:cubicBezTo>
-                  <a:cubicBezTo>
-                    <a:pt x="18" y="56"/>
-                    <a:pt x="18" y="56"/>
-                    <a:pt x="18" y="56"/>
-                  </a:cubicBezTo>
-                  <a:cubicBezTo>
-                    <a:pt x="8" y="56"/>
-                    <a:pt x="0" y="48"/>
-                    <a:pt x="0" y="38"/>
-                  </a:cubicBezTo>
-                  <a:cubicBezTo>
-                    <a:pt x="0" y="30"/>
-                    <a:pt x="5" y="23"/>
-                    <a:pt x="12" y="21"/>
-                  </a:cubicBezTo>
-                  <a:cubicBezTo>
-                    <a:pt x="14" y="9"/>
-                    <a:pt x="24" y="0"/>
-                    <a:pt x="36" y="0"/>
-                  </a:cubicBezTo>
-                  <a:close/>
-                </a:path>
-              </a:pathLst>
-            </a:custGeom>
+          <a:prstGeom prst="rect">
+            <a:avLst/>
+          </a:prstGeom>
+          <a:solidFill>
+            <a:srgbClr val="7CDAF8"/>
+          </a:solidFill>
+          <a:ln w="12700">
+            <a:noFill/>
+          </a:ln>
+        </p:spPr>
+        <p:style>
+          <a:lnRef idx="2">
+            <a:schemeClr val="accent1">
+              <a:shade val="50000"/>
+            </a:schemeClr>
+          </a:lnRef>
+          <a:fillRef idx="1">
+            <a:schemeClr val="accent1"/>
+          </a:fillRef>
+          <a:effectRef idx="0">
+            <a:schemeClr val="accent1"/>
+          </a:effectRef>
+          <a:fontRef idx="minor">
+            <a:schemeClr val="lt1"/>
+          </a:fontRef>
+        </p:style>
+        <p:txBody>
+          <a:bodyPr rtlCol="0" anchor="ctr"/>
+          <a:lstStyle/>
+          <a:p>
+            <a:pPr algn="ctr"/>
+            <a:endParaRPr kumimoji="1" lang="zh-CN" altLang="en-US" sz="1000">
+              <a:latin typeface="Microsoft YaHei" panose="020B0503020204020204" pitchFamily="34" charset="-122"/>
+              <a:ea typeface="Microsoft YaHei" panose="020B0503020204020204" pitchFamily="34" charset="-122"/>
+            </a:endParaRPr>
+          </a:p>
+        </p:txBody>
+      </p:sp>
+      <p:cxnSp>
+        <p:nvCxnSpPr>
+          <p:cNvPr id="21" name="直线箭头连接符 101">
+            <a:extLst>
+              <a:ext uri="{FF2B5EF4-FFF2-40B4-BE49-F238E27FC236}">
+                <a16:creationId xmlns:a16="http://schemas.microsoft.com/office/drawing/2014/main" id="{4EFEE8DA-D3EE-9A4E-BD6F-61CBCC688A7C}"/>
+              </a:ext>
+            </a:extLst>
+          </p:cNvPr>
+          <p:cNvCxnSpPr>
+            <a:cxnSpLocks/>
+          </p:cNvCxnSpPr>
+          <p:nvPr/>
+        </p:nvCxnSpPr>
+        <p:spPr>
+          <a:xfrm flipV="1">
+            <a:off x="1857297" y="3215139"/>
+            <a:ext cx="0" cy="853429"/>
+          </a:xfrm>
+          <a:prstGeom prst="straightConnector1">
+            <a:avLst/>
+          </a:prstGeom>
+          <a:ln w="25400">
             <a:solidFill>
-              <a:srgbClr val="7DC3FF"/>
+              <a:srgbClr val="A2A5BC"/>
             </a:solidFill>
-            <a:ln>
-              <a:noFill/>
-            </a:ln>
-          </p:spPr>
-          <p:txBody>
-            <a:bodyPr vert="horz" wrap="square" lIns="91440" tIns="45720" rIns="91440" bIns="45720" numCol="1" anchor="t" anchorCtr="0" compatLnSpc="1">
-              <a:prstTxWarp prst="textNoShape">
-                <a:avLst/>
-              </a:prstTxWarp>
-            </a:bodyPr>
-            <a:lstStyle/>
-            <a:p>
-              <a:endParaRPr lang="zh-CN" altLang="en-US" sz="1000"/>
-            </a:p>
-          </p:txBody>
-        </p:sp>
-        <p:sp>
-          <p:nvSpPr>
-            <p:cNvPr id="17" name="文本框 16"/>
-            <p:cNvSpPr txBox="1"/>
-            <p:nvPr/>
-          </p:nvSpPr>
-          <p:spPr>
-            <a:xfrm>
-              <a:off x="2367702" y="3842220"/>
-              <a:ext cx="959350" cy="246221"/>
-            </a:xfrm>
-            <a:prstGeom prst="rect">
-              <a:avLst/>
-            </a:prstGeom>
+            <a:tailEnd type="triangle"/>
+          </a:ln>
+        </p:spPr>
+        <p:style>
+          <a:lnRef idx="1">
+            <a:schemeClr val="accent1"/>
+          </a:lnRef>
+          <a:fillRef idx="0">
+            <a:schemeClr val="accent1"/>
+          </a:fillRef>
+          <a:effectRef idx="0">
+            <a:schemeClr val="accent1"/>
+          </a:effectRef>
+          <a:fontRef idx="minor">
+            <a:schemeClr val="tx1"/>
+          </a:fontRef>
+        </p:style>
+      </p:cxnSp>
+      <p:cxnSp>
+        <p:nvCxnSpPr>
+          <p:cNvPr id="22" name="直线箭头连接符 101">
+            <a:extLst>
+              <a:ext uri="{FF2B5EF4-FFF2-40B4-BE49-F238E27FC236}">
+                <a16:creationId xmlns:a16="http://schemas.microsoft.com/office/drawing/2014/main" id="{4EFEE8DA-D3EE-9A4E-BD6F-61CBCC688A7C}"/>
+              </a:ext>
+            </a:extLst>
+          </p:cNvPr>
+          <p:cNvCxnSpPr>
+            <a:cxnSpLocks/>
+          </p:cNvCxnSpPr>
+          <p:nvPr/>
+        </p:nvCxnSpPr>
+        <p:spPr>
+          <a:xfrm>
+            <a:off x="2114673" y="3215139"/>
+            <a:ext cx="0" cy="853429"/>
+          </a:xfrm>
+          <a:prstGeom prst="straightConnector1">
+            <a:avLst/>
+          </a:prstGeom>
+          <a:ln w="25400">
+            <a:solidFill>
+              <a:srgbClr val="A2A5BC"/>
+            </a:solidFill>
+            <a:tailEnd type="triangle"/>
+          </a:ln>
+        </p:spPr>
+        <p:style>
+          <a:lnRef idx="1">
+            <a:schemeClr val="accent1"/>
+          </a:lnRef>
+          <a:fillRef idx="0">
+            <a:schemeClr val="accent1"/>
+          </a:fillRef>
+          <a:effectRef idx="0">
+            <a:schemeClr val="accent1"/>
+          </a:effectRef>
+          <a:fontRef idx="minor">
+            <a:schemeClr val="tx1"/>
+          </a:fontRef>
+        </p:style>
+      </p:cxnSp>
+      <p:cxnSp>
+        <p:nvCxnSpPr>
+          <p:cNvPr id="24" name="直线箭头连接符 101">
+            <a:extLst>
+              <a:ext uri="{FF2B5EF4-FFF2-40B4-BE49-F238E27FC236}">
+                <a16:creationId xmlns:a16="http://schemas.microsoft.com/office/drawing/2014/main" id="{4EFEE8DA-D3EE-9A4E-BD6F-61CBCC688A7C}"/>
+              </a:ext>
+            </a:extLst>
+          </p:cNvPr>
+          <p:cNvCxnSpPr>
+            <a:cxnSpLocks/>
+          </p:cNvCxnSpPr>
+          <p:nvPr/>
+        </p:nvCxnSpPr>
+        <p:spPr>
+          <a:xfrm>
+            <a:off x="2484573" y="2613554"/>
+            <a:ext cx="464110" cy="0"/>
+          </a:xfrm>
+          <a:prstGeom prst="straightConnector1">
+            <a:avLst/>
+          </a:prstGeom>
+          <a:ln w="25400">
+            <a:solidFill>
+              <a:srgbClr val="A2A5BC"/>
+            </a:solidFill>
+            <a:tailEnd type="triangle"/>
+          </a:ln>
+        </p:spPr>
+        <p:style>
+          <a:lnRef idx="1">
+            <a:schemeClr val="accent1"/>
+          </a:lnRef>
+          <a:fillRef idx="0">
+            <a:schemeClr val="accent1"/>
+          </a:fillRef>
+          <a:effectRef idx="0">
+            <a:schemeClr val="accent1"/>
+          </a:effectRef>
+          <a:fontRef idx="minor">
+            <a:schemeClr val="tx1"/>
+          </a:fontRef>
+        </p:style>
+      </p:cxnSp>
+      <p:cxnSp>
+        <p:nvCxnSpPr>
+          <p:cNvPr id="25" name="直线箭头连接符 101">
+            <a:extLst>
+              <a:ext uri="{FF2B5EF4-FFF2-40B4-BE49-F238E27FC236}">
+                <a16:creationId xmlns:a16="http://schemas.microsoft.com/office/drawing/2014/main" id="{4EFEE8DA-D3EE-9A4E-BD6F-61CBCC688A7C}"/>
+              </a:ext>
+            </a:extLst>
+          </p:cNvPr>
+          <p:cNvCxnSpPr>
+            <a:cxnSpLocks/>
+          </p:cNvCxnSpPr>
+          <p:nvPr/>
+        </p:nvCxnSpPr>
+        <p:spPr>
+          <a:xfrm>
+            <a:off x="4667620" y="2613554"/>
+            <a:ext cx="442318" cy="0"/>
+          </a:xfrm>
+          <a:prstGeom prst="straightConnector1">
+            <a:avLst/>
+          </a:prstGeom>
+          <a:ln w="25400">
+            <a:solidFill>
+              <a:srgbClr val="A2A5BC"/>
+            </a:solidFill>
+            <a:tailEnd type="triangle"/>
+          </a:ln>
+        </p:spPr>
+        <p:style>
+          <a:lnRef idx="1">
+            <a:schemeClr val="accent1"/>
+          </a:lnRef>
+          <a:fillRef idx="0">
+            <a:schemeClr val="accent1"/>
+          </a:fillRef>
+          <a:effectRef idx="0">
+            <a:schemeClr val="accent1"/>
+          </a:effectRef>
+          <a:fontRef idx="minor">
+            <a:schemeClr val="tx1"/>
+          </a:fontRef>
+        </p:style>
+      </p:cxnSp>
+      <p:sp>
+        <p:nvSpPr>
+          <p:cNvPr id="31" name="矩形 30">
+            <a:extLst>
+              <a:ext uri="{FF2B5EF4-FFF2-40B4-BE49-F238E27FC236}">
+                <a16:creationId xmlns:a16="http://schemas.microsoft.com/office/drawing/2014/main" id="{940F5D82-BAEA-6A48-99ED-2FFA4C8794CA}"/>
+              </a:ext>
+            </a:extLst>
+          </p:cNvPr>
+          <p:cNvSpPr/>
+          <p:nvPr/>
+        </p:nvSpPr>
+        <p:spPr>
+          <a:xfrm>
+            <a:off x="5263561" y="2326848"/>
+            <a:ext cx="1369602" cy="676139"/>
+          </a:xfrm>
+          <a:prstGeom prst="rect">
+            <a:avLst/>
+          </a:prstGeom>
+          <a:solidFill>
+            <a:srgbClr val="7CDAF8"/>
+          </a:solidFill>
+          <a:ln w="12700">
             <a:noFill/>
-          </p:spPr>
-          <p:txBody>
-            <a:bodyPr wrap="square" rtlCol="0">
-              <a:spAutoFit/>
-            </a:bodyPr>
-            <a:lstStyle/>
-            <a:p>
-              <a:pPr algn="ctr"/>
-              <a:r>
-                <a:rPr kumimoji="1" lang="en-US" altLang="zh-CN" sz="1000" b="1" dirty="0">
-                  <a:solidFill>
-                    <a:srgbClr val="383C57"/>
-                  </a:solidFill>
-                  <a:latin typeface="Arial" panose="020B0604020202020204" pitchFamily="34" charset="0"/>
-                  <a:cs typeface="Arial" panose="020B0604020202020204" pitchFamily="34" charset="0"/>
-                </a:rPr>
-                <a:t>IoT Hub</a:t>
-              </a:r>
-              <a:endParaRPr kumimoji="1" lang="zh-CN" altLang="en-US" sz="1000" b="1" dirty="0">
+          </a:ln>
+        </p:spPr>
+        <p:style>
+          <a:lnRef idx="2">
+            <a:schemeClr val="accent1">
+              <a:shade val="50000"/>
+            </a:schemeClr>
+          </a:lnRef>
+          <a:fillRef idx="1">
+            <a:schemeClr val="accent1"/>
+          </a:fillRef>
+          <a:effectRef idx="0">
+            <a:schemeClr val="accent1"/>
+          </a:effectRef>
+          <a:fontRef idx="minor">
+            <a:schemeClr val="lt1"/>
+          </a:fontRef>
+        </p:style>
+        <p:txBody>
+          <a:bodyPr rtlCol="0" anchor="ctr"/>
+          <a:lstStyle/>
+          <a:p>
+            <a:pPr algn="ctr"/>
+            <a:endParaRPr kumimoji="1" lang="zh-CN" altLang="en-US" sz="1000">
+              <a:latin typeface="Microsoft YaHei" panose="020B0503020204020204" pitchFamily="34" charset="-122"/>
+              <a:ea typeface="Microsoft YaHei" panose="020B0503020204020204" pitchFamily="34" charset="-122"/>
+            </a:endParaRPr>
+          </a:p>
+        </p:txBody>
+      </p:sp>
+      <p:sp>
+        <p:nvSpPr>
+          <p:cNvPr id="40" name="文本框 39">
+            <a:extLst>
+              <a:ext uri="{FF2B5EF4-FFF2-40B4-BE49-F238E27FC236}">
+                <a16:creationId xmlns:a16="http://schemas.microsoft.com/office/drawing/2014/main" id="{7A305BB5-13BA-AB45-A27E-FC98EBF5B15A}"/>
+              </a:ext>
+            </a:extLst>
+          </p:cNvPr>
+          <p:cNvSpPr txBox="1"/>
+          <p:nvPr/>
+        </p:nvSpPr>
+        <p:spPr>
+          <a:xfrm>
+            <a:off x="5197356" y="3142299"/>
+            <a:ext cx="1502007" cy="246221"/>
+          </a:xfrm>
+          <a:prstGeom prst="rect">
+            <a:avLst/>
+          </a:prstGeom>
+          <a:noFill/>
+        </p:spPr>
+        <p:txBody>
+          <a:bodyPr wrap="square" rtlCol="0">
+            <a:spAutoFit/>
+          </a:bodyPr>
+          <a:lstStyle/>
+          <a:p>
+            <a:pPr algn="ctr"/>
+            <a:r>
+              <a:rPr kumimoji="1" lang="en-US" altLang="zh-CN" sz="1000" b="1" dirty="0">
                 <a:solidFill>
                   <a:srgbClr val="383C57"/>
                 </a:solidFill>
                 <a:latin typeface="Arial" panose="020B0604020202020204" pitchFamily="34" charset="0"/>
                 <a:cs typeface="Arial" panose="020B0604020202020204" pitchFamily="34" charset="0"/>
-              </a:endParaRPr>
-            </a:p>
-          </p:txBody>
-        </p:sp>
-        <p:sp>
-          <p:nvSpPr>
-            <p:cNvPr id="20" name="矩形 19">
-              <a:extLst>
-                <a:ext uri="{FF2B5EF4-FFF2-40B4-BE49-F238E27FC236}">
-                  <a16:creationId xmlns:a16="http://schemas.microsoft.com/office/drawing/2014/main" id="{940F5D82-BAEA-6A48-99ED-2FFA4C8794CA}"/>
-                </a:ext>
-              </a:extLst>
-            </p:cNvPr>
-            <p:cNvSpPr/>
-            <p:nvPr/>
-          </p:nvSpPr>
-          <p:spPr>
-            <a:xfrm>
-              <a:off x="4012991" y="3200151"/>
-              <a:ext cx="1369602" cy="676139"/>
-            </a:xfrm>
-            <a:prstGeom prst="rect">
+              </a:rPr>
+              <a:t>Monitor CPU Load</a:t>
+            </a:r>
+            <a:endParaRPr kumimoji="1" lang="zh-CN" altLang="en-US" sz="1000" b="1" dirty="0">
+              <a:solidFill>
+                <a:srgbClr val="383C57"/>
+              </a:solidFill>
+              <a:latin typeface="Arial" panose="020B0604020202020204" pitchFamily="34" charset="0"/>
+              <a:cs typeface="Arial" panose="020B0604020202020204" pitchFamily="34" charset="0"/>
+            </a:endParaRPr>
+          </a:p>
+        </p:txBody>
+      </p:sp>
+      <p:cxnSp>
+        <p:nvCxnSpPr>
+          <p:cNvPr id="41" name="直线箭头连接符 101">
+            <a:extLst>
+              <a:ext uri="{FF2B5EF4-FFF2-40B4-BE49-F238E27FC236}">
+                <a16:creationId xmlns:a16="http://schemas.microsoft.com/office/drawing/2014/main" id="{4EFEE8DA-D3EE-9A4E-BD6F-61CBCC688A7C}"/>
+              </a:ext>
+            </a:extLst>
+          </p:cNvPr>
+          <p:cNvCxnSpPr>
+            <a:cxnSpLocks/>
+          </p:cNvCxnSpPr>
+          <p:nvPr/>
+        </p:nvCxnSpPr>
+        <p:spPr>
+          <a:xfrm>
+            <a:off x="6837121" y="2641093"/>
+            <a:ext cx="442318" cy="0"/>
+          </a:xfrm>
+          <a:prstGeom prst="straightConnector1">
+            <a:avLst/>
+          </a:prstGeom>
+          <a:ln w="25400">
+            <a:solidFill>
+              <a:srgbClr val="A2A5BC"/>
+            </a:solidFill>
+            <a:tailEnd type="triangle"/>
+          </a:ln>
+        </p:spPr>
+        <p:style>
+          <a:lnRef idx="1">
+            <a:schemeClr val="accent1"/>
+          </a:lnRef>
+          <a:fillRef idx="0">
+            <a:schemeClr val="accent1"/>
+          </a:fillRef>
+          <a:effectRef idx="0">
+            <a:schemeClr val="accent1"/>
+          </a:effectRef>
+          <a:fontRef idx="minor">
+            <a:schemeClr val="tx1"/>
+          </a:fontRef>
+        </p:style>
+      </p:cxnSp>
+      <p:sp>
+        <p:nvSpPr>
+          <p:cNvPr id="23" name="矩形 22">
+            <a:extLst>
+              <a:ext uri="{FF2B5EF4-FFF2-40B4-BE49-F238E27FC236}">
+                <a16:creationId xmlns:a16="http://schemas.microsoft.com/office/drawing/2014/main" id="{0D266B39-5F1A-4F9C-BE69-6F7C3D789E03}"/>
+              </a:ext>
+            </a:extLst>
+          </p:cNvPr>
+          <p:cNvSpPr/>
+          <p:nvPr/>
+        </p:nvSpPr>
+        <p:spPr>
+          <a:xfrm>
+            <a:off x="1393779" y="4185597"/>
+            <a:ext cx="1369602" cy="676139"/>
+          </a:xfrm>
+          <a:prstGeom prst="rect">
+            <a:avLst/>
+          </a:prstGeom>
+          <a:solidFill>
+            <a:srgbClr val="7CDAF8"/>
+          </a:solidFill>
+          <a:ln w="12700">
+            <a:noFill/>
+          </a:ln>
+        </p:spPr>
+        <p:style>
+          <a:lnRef idx="2">
+            <a:schemeClr val="accent1">
+              <a:shade val="50000"/>
+            </a:schemeClr>
+          </a:lnRef>
+          <a:fillRef idx="1">
+            <a:schemeClr val="accent1"/>
+          </a:fillRef>
+          <a:effectRef idx="0">
+            <a:schemeClr val="accent1"/>
+          </a:effectRef>
+          <a:fontRef idx="minor">
+            <a:schemeClr val="lt1"/>
+          </a:fontRef>
+        </p:style>
+        <p:txBody>
+          <a:bodyPr rtlCol="0" anchor="ctr"/>
+          <a:lstStyle/>
+          <a:p>
+            <a:pPr algn="ctr"/>
+            <a:endParaRPr kumimoji="1" lang="zh-CN" altLang="en-US" sz="1000">
+              <a:latin typeface="Microsoft YaHei" panose="020B0503020204020204" pitchFamily="34" charset="-122"/>
+              <a:ea typeface="Microsoft YaHei" panose="020B0503020204020204" pitchFamily="34" charset="-122"/>
+            </a:endParaRPr>
+          </a:p>
+        </p:txBody>
+      </p:sp>
+      <p:sp>
+        <p:nvSpPr>
+          <p:cNvPr id="26" name="矩形 25">
+            <a:extLst>
+              <a:ext uri="{FF2B5EF4-FFF2-40B4-BE49-F238E27FC236}">
+                <a16:creationId xmlns:a16="http://schemas.microsoft.com/office/drawing/2014/main" id="{DC55CA38-EB8B-4050-90C7-59C1E6CF2431}"/>
+              </a:ext>
+            </a:extLst>
+          </p:cNvPr>
+          <p:cNvSpPr/>
+          <p:nvPr/>
+        </p:nvSpPr>
+        <p:spPr>
+          <a:xfrm>
+            <a:off x="7535357" y="2326848"/>
+            <a:ext cx="1369602" cy="676139"/>
+          </a:xfrm>
+          <a:prstGeom prst="rect">
+            <a:avLst/>
+          </a:prstGeom>
+          <a:solidFill>
+            <a:srgbClr val="7CDAF8"/>
+          </a:solidFill>
+          <a:ln w="12700">
+            <a:noFill/>
+          </a:ln>
+        </p:spPr>
+        <p:style>
+          <a:lnRef idx="2">
+            <a:schemeClr val="accent1">
+              <a:shade val="50000"/>
+            </a:schemeClr>
+          </a:lnRef>
+          <a:fillRef idx="1">
+            <a:schemeClr val="accent1"/>
+          </a:fillRef>
+          <a:effectRef idx="0">
+            <a:schemeClr val="accent1"/>
+          </a:effectRef>
+          <a:fontRef idx="minor">
+            <a:schemeClr val="lt1"/>
+          </a:fontRef>
+        </p:style>
+        <p:txBody>
+          <a:bodyPr rtlCol="0" anchor="ctr"/>
+          <a:lstStyle/>
+          <a:p>
+            <a:pPr algn="ctr"/>
+            <a:endParaRPr kumimoji="1" lang="zh-CN" altLang="en-US" sz="1000">
+              <a:latin typeface="Microsoft YaHei" panose="020B0503020204020204" pitchFamily="34" charset="-122"/>
+              <a:ea typeface="Microsoft YaHei" panose="020B0503020204020204" pitchFamily="34" charset="-122"/>
+            </a:endParaRPr>
+          </a:p>
+        </p:txBody>
+      </p:sp>
+      <p:sp>
+        <p:nvSpPr>
+          <p:cNvPr id="27" name="矩形 26">
+            <a:extLst>
+              <a:ext uri="{FF2B5EF4-FFF2-40B4-BE49-F238E27FC236}">
+                <a16:creationId xmlns:a16="http://schemas.microsoft.com/office/drawing/2014/main" id="{E3CC1585-0C55-414E-9627-C7E86F4D68E2}"/>
+              </a:ext>
+            </a:extLst>
+          </p:cNvPr>
+          <p:cNvSpPr/>
+          <p:nvPr/>
+        </p:nvSpPr>
+        <p:spPr>
+          <a:xfrm>
+            <a:off x="9786601" y="2309835"/>
+            <a:ext cx="1369602" cy="676139"/>
+          </a:xfrm>
+          <a:prstGeom prst="rect">
+            <a:avLst/>
+          </a:prstGeom>
+          <a:solidFill>
+            <a:srgbClr val="7CDAF8"/>
+          </a:solidFill>
+          <a:ln w="12700">
+            <a:noFill/>
+          </a:ln>
+        </p:spPr>
+        <p:style>
+          <a:lnRef idx="2">
+            <a:schemeClr val="accent1">
+              <a:shade val="50000"/>
+            </a:schemeClr>
+          </a:lnRef>
+          <a:fillRef idx="1">
+            <a:schemeClr val="accent1"/>
+          </a:fillRef>
+          <a:effectRef idx="0">
+            <a:schemeClr val="accent1"/>
+          </a:effectRef>
+          <a:fontRef idx="minor">
+            <a:schemeClr val="lt1"/>
+          </a:fontRef>
+        </p:style>
+        <p:txBody>
+          <a:bodyPr rtlCol="0" anchor="ctr"/>
+          <a:lstStyle/>
+          <a:p>
+            <a:pPr algn="ctr"/>
+            <a:endParaRPr kumimoji="1" lang="zh-CN" altLang="en-US" sz="1000">
+              <a:latin typeface="Microsoft YaHei" panose="020B0503020204020204" pitchFamily="34" charset="-122"/>
+              <a:ea typeface="Microsoft YaHei" panose="020B0503020204020204" pitchFamily="34" charset="-122"/>
+            </a:endParaRPr>
+          </a:p>
+        </p:txBody>
+      </p:sp>
+      <p:cxnSp>
+        <p:nvCxnSpPr>
+          <p:cNvPr id="28" name="直线箭头连接符 101">
+            <a:extLst>
+              <a:ext uri="{FF2B5EF4-FFF2-40B4-BE49-F238E27FC236}">
+                <a16:creationId xmlns:a16="http://schemas.microsoft.com/office/drawing/2014/main" id="{4FC01323-2EB0-489F-A357-308745550961}"/>
+              </a:ext>
+            </a:extLst>
+          </p:cNvPr>
+          <p:cNvCxnSpPr>
+            <a:cxnSpLocks/>
+          </p:cNvCxnSpPr>
+          <p:nvPr/>
+        </p:nvCxnSpPr>
+        <p:spPr>
+          <a:xfrm>
+            <a:off x="9136823" y="2634102"/>
+            <a:ext cx="442318" cy="0"/>
+          </a:xfrm>
+          <a:prstGeom prst="straightConnector1">
+            <a:avLst/>
+          </a:prstGeom>
+          <a:ln w="25400">
+            <a:solidFill>
+              <a:srgbClr val="A2A5BC"/>
+            </a:solidFill>
+            <a:tailEnd type="triangle"/>
+          </a:ln>
+        </p:spPr>
+        <p:style>
+          <a:lnRef idx="1">
+            <a:schemeClr val="accent1"/>
+          </a:lnRef>
+          <a:fillRef idx="0">
+            <a:schemeClr val="accent1"/>
+          </a:fillRef>
+          <a:effectRef idx="0">
+            <a:schemeClr val="accent1"/>
+          </a:effectRef>
+          <a:fontRef idx="minor">
+            <a:schemeClr val="tx1"/>
+          </a:fontRef>
+        </p:style>
+      </p:cxnSp>
+      <p:sp>
+        <p:nvSpPr>
+          <p:cNvPr id="29" name="Rectangle 41">
+            <a:extLst>
+              <a:ext uri="{FF2B5EF4-FFF2-40B4-BE49-F238E27FC236}">
+                <a16:creationId xmlns:a16="http://schemas.microsoft.com/office/drawing/2014/main" id="{79CDFCC6-F166-42F5-A142-4620D6FE38B6}"/>
+              </a:ext>
+            </a:extLst>
+          </p:cNvPr>
+          <p:cNvSpPr>
+            <a:spLocks noChangeArrowheads="1"/>
+          </p:cNvSpPr>
+          <p:nvPr/>
+        </p:nvSpPr>
+        <p:spPr bwMode="auto">
+          <a:xfrm>
+            <a:off x="9986593" y="3055281"/>
+            <a:ext cx="1128514" cy="307777"/>
+          </a:xfrm>
+          <a:prstGeom prst="rect">
+            <a:avLst/>
+          </a:prstGeom>
+          <a:noFill/>
+          <a:ln>
+            <a:noFill/>
+          </a:ln>
+          <a:extLst>
+            <a:ext uri="{909E8E84-426E-40DD-AFC4-6F175D3DCCD1}">
+              <a14:hiddenFill xmlns:a14="http://schemas.microsoft.com/office/drawing/2010/main">
+                <a:solidFill>
+                  <a:srgbClr val="FFFFFF"/>
+                </a:solidFill>
+              </a14:hiddenFill>
+            </a:ext>
+            <a:ext uri="{91240B29-F687-4F45-9708-019B960494DF}">
+              <a14:hiddenLine xmlns:a14="http://schemas.microsoft.com/office/drawing/2010/main" w="9525">
+                <a:solidFill>
+                  <a:srgbClr val="000000"/>
+                </a:solidFill>
+                <a:miter lim="800000"/>
+                <a:headEnd/>
+                <a:tailEnd/>
+              </a14:hiddenLine>
+            </a:ext>
+          </a:extLst>
+        </p:spPr>
+        <p:txBody>
+          <a:bodyPr vert="horz" wrap="none" lIns="0" tIns="0" rIns="0" bIns="0" numCol="1" anchor="t" anchorCtr="0" compatLnSpc="1">
+            <a:prstTxWarp prst="textNoShape">
               <a:avLst/>
-            </a:prstGeom>
-            <a:solidFill>
-              <a:srgbClr val="7CDAF8"/>
-            </a:solidFill>
-            <a:ln w="12700">
-              <a:noFill/>
-            </a:ln>
-          </p:spPr>
-          <p:style>
-            <a:lnRef idx="2">
-              <a:schemeClr val="accent1">
-                <a:shade val="50000"/>
-              </a:schemeClr>
-            </a:lnRef>
-            <a:fillRef idx="1">
-              <a:schemeClr val="accent1"/>
-            </a:fillRef>
-            <a:effectRef idx="0">
-              <a:schemeClr val="accent1"/>
-            </a:effectRef>
-            <a:fontRef idx="minor">
-              <a:schemeClr val="lt1"/>
-            </a:fontRef>
-          </p:style>
-          <p:txBody>
-            <a:bodyPr rtlCol="0" anchor="ctr"/>
-            <a:lstStyle/>
-            <a:p>
-              <a:pPr algn="ctr"/>
-              <a:endParaRPr kumimoji="1" lang="zh-CN" altLang="en-US" sz="1000">
-                <a:latin typeface="Microsoft YaHei" panose="020B0503020204020204" pitchFamily="34" charset="-122"/>
-                <a:ea typeface="Microsoft YaHei" panose="020B0503020204020204" pitchFamily="34" charset="-122"/>
-              </a:endParaRPr>
-            </a:p>
-          </p:txBody>
-        </p:sp>
-        <p:cxnSp>
-          <p:nvCxnSpPr>
-            <p:cNvPr id="21" name="直线箭头连接符 101">
-              <a:extLst>
-                <a:ext uri="{FF2B5EF4-FFF2-40B4-BE49-F238E27FC236}">
-                  <a16:creationId xmlns:a16="http://schemas.microsoft.com/office/drawing/2014/main" id="{4EFEE8DA-D3EE-9A4E-BD6F-61CBCC688A7C}"/>
-                </a:ext>
-              </a:extLst>
-            </p:cNvPr>
-            <p:cNvCxnSpPr>
-              <a:cxnSpLocks/>
-            </p:cNvCxnSpPr>
-            <p:nvPr/>
-          </p:nvCxnSpPr>
-          <p:spPr>
-            <a:xfrm>
-              <a:off x="1634998" y="3429000"/>
-              <a:ext cx="674241" cy="6325"/>
-            </a:xfrm>
-            <a:prstGeom prst="straightConnector1">
-              <a:avLst/>
-            </a:prstGeom>
-            <a:ln w="25400">
-              <a:solidFill>
-                <a:srgbClr val="A2A5BC"/>
-              </a:solidFill>
-              <a:tailEnd type="triangle"/>
-            </a:ln>
-          </p:spPr>
-          <p:style>
-            <a:lnRef idx="1">
-              <a:schemeClr val="accent1"/>
-            </a:lnRef>
-            <a:fillRef idx="0">
-              <a:schemeClr val="accent1"/>
-            </a:fillRef>
-            <a:effectRef idx="0">
-              <a:schemeClr val="accent1"/>
-            </a:effectRef>
-            <a:fontRef idx="minor">
-              <a:schemeClr val="tx1"/>
-            </a:fontRef>
-          </p:style>
-        </p:cxnSp>
-        <p:cxnSp>
-          <p:nvCxnSpPr>
-            <p:cNvPr id="22" name="直线箭头连接符 101">
-              <a:extLst>
-                <a:ext uri="{FF2B5EF4-FFF2-40B4-BE49-F238E27FC236}">
-                  <a16:creationId xmlns:a16="http://schemas.microsoft.com/office/drawing/2014/main" id="{4EFEE8DA-D3EE-9A4E-BD6F-61CBCC688A7C}"/>
-                </a:ext>
-              </a:extLst>
-            </p:cNvPr>
-            <p:cNvCxnSpPr>
-              <a:cxnSpLocks/>
-            </p:cNvCxnSpPr>
-            <p:nvPr/>
-          </p:nvCxnSpPr>
-          <p:spPr>
-            <a:xfrm flipH="1">
-              <a:off x="1634998" y="3581715"/>
-              <a:ext cx="674241" cy="0"/>
-            </a:xfrm>
-            <a:prstGeom prst="straightConnector1">
-              <a:avLst/>
-            </a:prstGeom>
-            <a:ln w="25400">
-              <a:solidFill>
-                <a:srgbClr val="A2A5BC"/>
-              </a:solidFill>
-              <a:tailEnd type="triangle"/>
-            </a:ln>
-          </p:spPr>
-          <p:style>
-            <a:lnRef idx="1">
-              <a:schemeClr val="accent1"/>
-            </a:lnRef>
-            <a:fillRef idx="0">
-              <a:schemeClr val="accent1"/>
-            </a:fillRef>
-            <a:effectRef idx="0">
-              <a:schemeClr val="accent1"/>
-            </a:effectRef>
-            <a:fontRef idx="minor">
-              <a:schemeClr val="tx1"/>
-            </a:fontRef>
-          </p:style>
-        </p:cxnSp>
-        <p:cxnSp>
-          <p:nvCxnSpPr>
-            <p:cNvPr id="24" name="直线箭头连接符 101">
-              <a:extLst>
-                <a:ext uri="{FF2B5EF4-FFF2-40B4-BE49-F238E27FC236}">
-                  <a16:creationId xmlns:a16="http://schemas.microsoft.com/office/drawing/2014/main" id="{4EFEE8DA-D3EE-9A4E-BD6F-61CBCC688A7C}"/>
-                </a:ext>
-              </a:extLst>
-            </p:cNvPr>
-            <p:cNvCxnSpPr>
-              <a:cxnSpLocks/>
-            </p:cNvCxnSpPr>
-            <p:nvPr/>
-          </p:nvCxnSpPr>
-          <p:spPr>
-            <a:xfrm>
-              <a:off x="3314243" y="3486856"/>
-              <a:ext cx="442318" cy="0"/>
-            </a:xfrm>
-            <a:prstGeom prst="straightConnector1">
-              <a:avLst/>
-            </a:prstGeom>
-            <a:ln w="25400">
-              <a:solidFill>
-                <a:srgbClr val="A2A5BC"/>
-              </a:solidFill>
-              <a:tailEnd type="triangle"/>
-            </a:ln>
-          </p:spPr>
-          <p:style>
-            <a:lnRef idx="1">
-              <a:schemeClr val="accent1"/>
-            </a:lnRef>
-            <a:fillRef idx="0">
-              <a:schemeClr val="accent1"/>
-            </a:fillRef>
-            <a:effectRef idx="0">
-              <a:schemeClr val="accent1"/>
-            </a:effectRef>
-            <a:fontRef idx="minor">
-              <a:schemeClr val="tx1"/>
-            </a:fontRef>
-          </p:style>
-        </p:cxnSp>
-        <p:cxnSp>
-          <p:nvCxnSpPr>
-            <p:cNvPr id="25" name="直线箭头连接符 101">
-              <a:extLst>
-                <a:ext uri="{FF2B5EF4-FFF2-40B4-BE49-F238E27FC236}">
-                  <a16:creationId xmlns:a16="http://schemas.microsoft.com/office/drawing/2014/main" id="{4EFEE8DA-D3EE-9A4E-BD6F-61CBCC688A7C}"/>
-                </a:ext>
-              </a:extLst>
-            </p:cNvPr>
-            <p:cNvCxnSpPr>
-              <a:cxnSpLocks/>
-            </p:cNvCxnSpPr>
-            <p:nvPr/>
-          </p:nvCxnSpPr>
-          <p:spPr>
-            <a:xfrm>
-              <a:off x="5561466" y="3486856"/>
-              <a:ext cx="442318" cy="0"/>
-            </a:xfrm>
-            <a:prstGeom prst="straightConnector1">
-              <a:avLst/>
-            </a:prstGeom>
-            <a:ln w="25400">
-              <a:solidFill>
-                <a:srgbClr val="A2A5BC"/>
-              </a:solidFill>
-              <a:tailEnd type="triangle"/>
-            </a:ln>
-          </p:spPr>
-          <p:style>
-            <a:lnRef idx="1">
-              <a:schemeClr val="accent1"/>
-            </a:lnRef>
-            <a:fillRef idx="0">
-              <a:schemeClr val="accent1"/>
-            </a:fillRef>
-            <a:effectRef idx="0">
-              <a:schemeClr val="accent1"/>
-            </a:effectRef>
-            <a:fontRef idx="minor">
-              <a:schemeClr val="tx1"/>
-            </a:fontRef>
-          </p:style>
-        </p:cxnSp>
-        <p:sp>
-          <p:nvSpPr>
-            <p:cNvPr id="31" name="矩形 30">
-              <a:extLst>
-                <a:ext uri="{FF2B5EF4-FFF2-40B4-BE49-F238E27FC236}">
-                  <a16:creationId xmlns:a16="http://schemas.microsoft.com/office/drawing/2014/main" id="{940F5D82-BAEA-6A48-99ED-2FFA4C8794CA}"/>
-                </a:ext>
-              </a:extLst>
-            </p:cNvPr>
-            <p:cNvSpPr/>
-            <p:nvPr/>
-          </p:nvSpPr>
-          <p:spPr>
-            <a:xfrm>
-              <a:off x="6260152" y="3200150"/>
-              <a:ext cx="1369602" cy="676139"/>
-            </a:xfrm>
-            <a:prstGeom prst="rect">
-              <a:avLst/>
-            </a:prstGeom>
-            <a:solidFill>
-              <a:srgbClr val="7CDAF8"/>
-            </a:solidFill>
-            <a:ln w="12700">
-              <a:noFill/>
-            </a:ln>
-          </p:spPr>
-          <p:style>
-            <a:lnRef idx="2">
-              <a:schemeClr val="accent1">
-                <a:shade val="50000"/>
-              </a:schemeClr>
-            </a:lnRef>
-            <a:fillRef idx="1">
-              <a:schemeClr val="accent1"/>
-            </a:fillRef>
-            <a:effectRef idx="0">
-              <a:schemeClr val="accent1"/>
-            </a:effectRef>
-            <a:fontRef idx="minor">
-              <a:schemeClr val="lt1"/>
-            </a:fontRef>
-          </p:style>
-          <p:txBody>
-            <a:bodyPr rtlCol="0" anchor="ctr"/>
-            <a:lstStyle/>
-            <a:p>
-              <a:pPr algn="ctr"/>
-              <a:endParaRPr kumimoji="1" lang="zh-CN" altLang="en-US" sz="1000">
-                <a:latin typeface="Microsoft YaHei" panose="020B0503020204020204" pitchFamily="34" charset="-122"/>
-                <a:ea typeface="Microsoft YaHei" panose="020B0503020204020204" pitchFamily="34" charset="-122"/>
-              </a:endParaRPr>
-            </a:p>
-          </p:txBody>
-        </p:sp>
-        <p:sp>
-          <p:nvSpPr>
-            <p:cNvPr id="40" name="文本框 39">
-              <a:extLst>
-                <a:ext uri="{FF2B5EF4-FFF2-40B4-BE49-F238E27FC236}">
-                  <a16:creationId xmlns:a16="http://schemas.microsoft.com/office/drawing/2014/main" id="{7A305BB5-13BA-AB45-A27E-FC98EBF5B15A}"/>
-                </a:ext>
-              </a:extLst>
-            </p:cNvPr>
-            <p:cNvSpPr txBox="1"/>
-            <p:nvPr/>
-          </p:nvSpPr>
-          <p:spPr>
-            <a:xfrm>
-              <a:off x="6190855" y="3613055"/>
-              <a:ext cx="1502007" cy="246221"/>
-            </a:xfrm>
-            <a:prstGeom prst="rect">
-              <a:avLst/>
-            </a:prstGeom>
-            <a:noFill/>
-          </p:spPr>
-          <p:txBody>
-            <a:bodyPr wrap="square" rtlCol="0">
-              <a:spAutoFit/>
-            </a:bodyPr>
-            <a:lstStyle/>
-            <a:p>
-              <a:pPr algn="ctr"/>
-              <a:r>
-                <a:rPr kumimoji="1" lang="en-US" altLang="zh-CN" sz="1000" b="1" dirty="0">
-                  <a:solidFill>
-                    <a:srgbClr val="383C57"/>
-                  </a:solidFill>
-                  <a:latin typeface="Arial" panose="020B0604020202020204" pitchFamily="34" charset="0"/>
-                  <a:cs typeface="Arial" panose="020B0604020202020204" pitchFamily="34" charset="0"/>
-                </a:rPr>
-                <a:t>Monitor CPU Load</a:t>
-              </a:r>
-              <a:endParaRPr kumimoji="1" lang="zh-CN" altLang="en-US" sz="1000" b="1" dirty="0">
+            </a:prstTxWarp>
+            <a:spAutoFit/>
+          </a:bodyPr>
+          <a:lstStyle>
+            <a:lvl1pPr eaLnBrk="0" fontAlgn="base" hangingPunct="0">
+              <a:spcBef>
+                <a:spcPct val="0"/>
+              </a:spcBef>
+              <a:spcAft>
+                <a:spcPct val="0"/>
+              </a:spcAft>
+              <a:defRPr>
+                <a:solidFill>
+                  <a:schemeClr val="tx1"/>
+                </a:solidFill>
+                <a:latin typeface="Arial" panose="020B0604020202020204" pitchFamily="34" charset="0"/>
+              </a:defRPr>
+            </a:lvl1pPr>
+            <a:lvl2pPr eaLnBrk="0" fontAlgn="base" hangingPunct="0">
+              <a:spcBef>
+                <a:spcPct val="0"/>
+              </a:spcBef>
+              <a:spcAft>
+                <a:spcPct val="0"/>
+              </a:spcAft>
+              <a:defRPr>
+                <a:solidFill>
+                  <a:schemeClr val="tx1"/>
+                </a:solidFill>
+                <a:latin typeface="Arial" panose="020B0604020202020204" pitchFamily="34" charset="0"/>
+              </a:defRPr>
+            </a:lvl2pPr>
+            <a:lvl3pPr eaLnBrk="0" fontAlgn="base" hangingPunct="0">
+              <a:spcBef>
+                <a:spcPct val="0"/>
+              </a:spcBef>
+              <a:spcAft>
+                <a:spcPct val="0"/>
+              </a:spcAft>
+              <a:defRPr>
+                <a:solidFill>
+                  <a:schemeClr val="tx1"/>
+                </a:solidFill>
+                <a:latin typeface="Arial" panose="020B0604020202020204" pitchFamily="34" charset="0"/>
+              </a:defRPr>
+            </a:lvl3pPr>
+            <a:lvl4pPr eaLnBrk="0" fontAlgn="base" hangingPunct="0">
+              <a:spcBef>
+                <a:spcPct val="0"/>
+              </a:spcBef>
+              <a:spcAft>
+                <a:spcPct val="0"/>
+              </a:spcAft>
+              <a:defRPr>
+                <a:solidFill>
+                  <a:schemeClr val="tx1"/>
+                </a:solidFill>
+                <a:latin typeface="Arial" panose="020B0604020202020204" pitchFamily="34" charset="0"/>
+              </a:defRPr>
+            </a:lvl4pPr>
+            <a:lvl5pPr eaLnBrk="0" fontAlgn="base" hangingPunct="0">
+              <a:spcBef>
+                <a:spcPct val="0"/>
+              </a:spcBef>
+              <a:spcAft>
+                <a:spcPct val="0"/>
+              </a:spcAft>
+              <a:defRPr>
+                <a:solidFill>
+                  <a:schemeClr val="tx1"/>
+                </a:solidFill>
+                <a:latin typeface="Arial" panose="020B0604020202020204" pitchFamily="34" charset="0"/>
+              </a:defRPr>
+            </a:lvl5pPr>
+            <a:lvl6pPr eaLnBrk="0" fontAlgn="base" hangingPunct="0">
+              <a:spcBef>
+                <a:spcPct val="0"/>
+              </a:spcBef>
+              <a:spcAft>
+                <a:spcPct val="0"/>
+              </a:spcAft>
+              <a:defRPr>
+                <a:solidFill>
+                  <a:schemeClr val="tx1"/>
+                </a:solidFill>
+                <a:latin typeface="Arial" panose="020B0604020202020204" pitchFamily="34" charset="0"/>
+              </a:defRPr>
+            </a:lvl6pPr>
+            <a:lvl7pPr eaLnBrk="0" fontAlgn="base" hangingPunct="0">
+              <a:spcBef>
+                <a:spcPct val="0"/>
+              </a:spcBef>
+              <a:spcAft>
+                <a:spcPct val="0"/>
+              </a:spcAft>
+              <a:defRPr>
+                <a:solidFill>
+                  <a:schemeClr val="tx1"/>
+                </a:solidFill>
+                <a:latin typeface="Arial" panose="020B0604020202020204" pitchFamily="34" charset="0"/>
+              </a:defRPr>
+            </a:lvl7pPr>
+            <a:lvl8pPr eaLnBrk="0" fontAlgn="base" hangingPunct="0">
+              <a:spcBef>
+                <a:spcPct val="0"/>
+              </a:spcBef>
+              <a:spcAft>
+                <a:spcPct val="0"/>
+              </a:spcAft>
+              <a:defRPr>
+                <a:solidFill>
+                  <a:schemeClr val="tx1"/>
+                </a:solidFill>
+                <a:latin typeface="Arial" panose="020B0604020202020204" pitchFamily="34" charset="0"/>
+              </a:defRPr>
+            </a:lvl8pPr>
+            <a:lvl9pPr eaLnBrk="0" fontAlgn="base" hangingPunct="0">
+              <a:spcBef>
+                <a:spcPct val="0"/>
+              </a:spcBef>
+              <a:spcAft>
+                <a:spcPct val="0"/>
+              </a:spcAft>
+              <a:defRPr>
+                <a:solidFill>
+                  <a:schemeClr val="tx1"/>
+                </a:solidFill>
+                <a:latin typeface="Arial" panose="020B0604020202020204" pitchFamily="34" charset="0"/>
+              </a:defRPr>
+            </a:lvl9pPr>
+          </a:lstStyle>
+          <a:p>
+            <a:pPr algn="ctr">
+              <a:defRPr/>
+            </a:pPr>
+            <a:r>
+              <a:rPr kumimoji="1" lang="en-US" altLang="zh-CN" sz="1000" b="1" dirty="0">
+                <a:solidFill>
+                  <a:srgbClr val="383C57"/>
+                </a:solidFill>
+                <a:cs typeface="Arial" panose="020B0604020202020204" pitchFamily="34" charset="0"/>
+              </a:rPr>
+              <a:t>Calculate Memory </a:t>
+            </a:r>
+          </a:p>
+          <a:p>
+            <a:pPr algn="ctr">
+              <a:defRPr/>
+            </a:pPr>
+            <a:r>
+              <a:rPr kumimoji="1" lang="en-US" altLang="zh-CN" sz="1000" b="1" dirty="0">
+                <a:solidFill>
+                  <a:srgbClr val="383C57"/>
+                </a:solidFill>
+                <a:cs typeface="Arial" panose="020B0604020202020204" pitchFamily="34" charset="0"/>
+              </a:rPr>
+              <a:t>Usage Percentage</a:t>
+            </a:r>
+          </a:p>
+        </p:txBody>
+      </p:sp>
+      <p:sp>
+        <p:nvSpPr>
+          <p:cNvPr id="32" name="文本框 31">
+            <a:extLst>
+              <a:ext uri="{FF2B5EF4-FFF2-40B4-BE49-F238E27FC236}">
+                <a16:creationId xmlns:a16="http://schemas.microsoft.com/office/drawing/2014/main" id="{0FFE232A-BE61-4248-9A89-D6F7B63E3660}"/>
+              </a:ext>
+            </a:extLst>
+          </p:cNvPr>
+          <p:cNvSpPr txBox="1"/>
+          <p:nvPr/>
+        </p:nvSpPr>
+        <p:spPr>
+          <a:xfrm>
+            <a:off x="914104" y="3497854"/>
+            <a:ext cx="959350" cy="400110"/>
+          </a:xfrm>
+          <a:prstGeom prst="rect">
+            <a:avLst/>
+          </a:prstGeom>
+          <a:noFill/>
+        </p:spPr>
+        <p:txBody>
+          <a:bodyPr wrap="square" rtlCol="0">
+            <a:spAutoFit/>
+          </a:bodyPr>
+          <a:lstStyle/>
+          <a:p>
+            <a:pPr algn="ctr"/>
+            <a:r>
+              <a:rPr kumimoji="1" lang="en-US" altLang="zh-CN" sz="1000" b="1" dirty="0">
                 <a:solidFill>
                   <a:srgbClr val="383C57"/>
                 </a:solidFill>
                 <a:latin typeface="Arial" panose="020B0604020202020204" pitchFamily="34" charset="0"/>
                 <a:cs typeface="Arial" panose="020B0604020202020204" pitchFamily="34" charset="0"/>
-              </a:endParaRPr>
-            </a:p>
-          </p:txBody>
-        </p:sp>
-        <p:cxnSp>
-          <p:nvCxnSpPr>
-            <p:cNvPr id="41" name="直线箭头连接符 101">
-              <a:extLst>
-                <a:ext uri="{FF2B5EF4-FFF2-40B4-BE49-F238E27FC236}">
-                  <a16:creationId xmlns:a16="http://schemas.microsoft.com/office/drawing/2014/main" id="{4EFEE8DA-D3EE-9A4E-BD6F-61CBCC688A7C}"/>
-                </a:ext>
-              </a:extLst>
-            </p:cNvPr>
-            <p:cNvCxnSpPr>
-              <a:cxnSpLocks/>
-            </p:cNvCxnSpPr>
-            <p:nvPr/>
-          </p:nvCxnSpPr>
-          <p:spPr>
-            <a:xfrm>
-              <a:off x="7895360" y="3486856"/>
-              <a:ext cx="442318" cy="0"/>
-            </a:xfrm>
-            <a:prstGeom prst="straightConnector1">
-              <a:avLst/>
-            </a:prstGeom>
-            <a:ln w="25400">
+              </a:rPr>
+              <a:t>Connect to EnOS</a:t>
+            </a:r>
+            <a:endParaRPr kumimoji="1" lang="zh-CN" altLang="en-US" sz="1000" b="1" dirty="0">
               <a:solidFill>
-                <a:srgbClr val="A2A5BC"/>
+                <a:srgbClr val="383C57"/>
               </a:solidFill>
-              <a:tailEnd type="triangle"/>
-            </a:ln>
-          </p:spPr>
-          <p:style>
-            <a:lnRef idx="1">
-              <a:schemeClr val="accent1"/>
-            </a:lnRef>
-            <a:fillRef idx="0">
-              <a:schemeClr val="accent1"/>
-            </a:fillRef>
-            <a:effectRef idx="0">
-              <a:schemeClr val="accent1"/>
-            </a:effectRef>
-            <a:fontRef idx="minor">
-              <a:schemeClr val="tx1"/>
-            </a:fontRef>
-          </p:style>
-        </p:cxnSp>
-        <p:sp>
-          <p:nvSpPr>
-            <p:cNvPr id="23" name="矩形 22">
-              <a:extLst>
-                <a:ext uri="{FF2B5EF4-FFF2-40B4-BE49-F238E27FC236}">
-                  <a16:creationId xmlns:a16="http://schemas.microsoft.com/office/drawing/2014/main" id="{0D266B39-5F1A-4F9C-BE69-6F7C3D789E03}"/>
-                </a:ext>
-              </a:extLst>
-            </p:cNvPr>
-            <p:cNvSpPr/>
-            <p:nvPr/>
-          </p:nvSpPr>
-          <p:spPr>
-            <a:xfrm>
-              <a:off x="37590" y="3147907"/>
-              <a:ext cx="1369602" cy="676139"/>
-            </a:xfrm>
-            <a:prstGeom prst="rect">
-              <a:avLst/>
-            </a:prstGeom>
-            <a:solidFill>
-              <a:srgbClr val="7CDAF8"/>
-            </a:solidFill>
-            <a:ln w="12700">
-              <a:noFill/>
-            </a:ln>
-          </p:spPr>
-          <p:style>
-            <a:lnRef idx="2">
-              <a:schemeClr val="accent1">
-                <a:shade val="50000"/>
-              </a:schemeClr>
-            </a:lnRef>
-            <a:fillRef idx="1">
-              <a:schemeClr val="accent1"/>
-            </a:fillRef>
-            <a:effectRef idx="0">
-              <a:schemeClr val="accent1"/>
-            </a:effectRef>
-            <a:fontRef idx="minor">
-              <a:schemeClr val="lt1"/>
-            </a:fontRef>
-          </p:style>
-          <p:txBody>
-            <a:bodyPr rtlCol="0" anchor="ctr"/>
-            <a:lstStyle/>
-            <a:p>
-              <a:pPr algn="ctr"/>
-              <a:endParaRPr kumimoji="1" lang="zh-CN" altLang="en-US" sz="1000">
-                <a:latin typeface="Microsoft YaHei" panose="020B0503020204020204" pitchFamily="34" charset="-122"/>
-                <a:ea typeface="Microsoft YaHei" panose="020B0503020204020204" pitchFamily="34" charset="-122"/>
-              </a:endParaRPr>
-            </a:p>
-          </p:txBody>
-        </p:sp>
-        <p:sp>
-          <p:nvSpPr>
-            <p:cNvPr id="26" name="矩形 25">
-              <a:extLst>
-                <a:ext uri="{FF2B5EF4-FFF2-40B4-BE49-F238E27FC236}">
-                  <a16:creationId xmlns:a16="http://schemas.microsoft.com/office/drawing/2014/main" id="{DC55CA38-EB8B-4050-90C7-59C1E6CF2431}"/>
-                </a:ext>
-              </a:extLst>
-            </p:cNvPr>
-            <p:cNvSpPr/>
-            <p:nvPr/>
-          </p:nvSpPr>
-          <p:spPr>
-            <a:xfrm>
-              <a:off x="8501124" y="3200150"/>
-              <a:ext cx="1369602" cy="676139"/>
-            </a:xfrm>
-            <a:prstGeom prst="rect">
-              <a:avLst/>
-            </a:prstGeom>
-            <a:solidFill>
-              <a:srgbClr val="7CDAF8"/>
-            </a:solidFill>
-            <a:ln w="12700">
-              <a:noFill/>
-            </a:ln>
-          </p:spPr>
-          <p:style>
-            <a:lnRef idx="2">
-              <a:schemeClr val="accent1">
-                <a:shade val="50000"/>
-              </a:schemeClr>
-            </a:lnRef>
-            <a:fillRef idx="1">
-              <a:schemeClr val="accent1"/>
-            </a:fillRef>
-            <a:effectRef idx="0">
-              <a:schemeClr val="accent1"/>
-            </a:effectRef>
-            <a:fontRef idx="minor">
-              <a:schemeClr val="lt1"/>
-            </a:fontRef>
-          </p:style>
-          <p:txBody>
-            <a:bodyPr rtlCol="0" anchor="ctr"/>
-            <a:lstStyle/>
-            <a:p>
-              <a:pPr algn="ctr"/>
-              <a:endParaRPr kumimoji="1" lang="zh-CN" altLang="en-US" sz="1000">
-                <a:latin typeface="Microsoft YaHei" panose="020B0503020204020204" pitchFamily="34" charset="-122"/>
-                <a:ea typeface="Microsoft YaHei" panose="020B0503020204020204" pitchFamily="34" charset="-122"/>
-              </a:endParaRPr>
-            </a:p>
-          </p:txBody>
-        </p:sp>
-        <p:sp>
-          <p:nvSpPr>
-            <p:cNvPr id="27" name="矩形 26">
-              <a:extLst>
-                <a:ext uri="{FF2B5EF4-FFF2-40B4-BE49-F238E27FC236}">
-                  <a16:creationId xmlns:a16="http://schemas.microsoft.com/office/drawing/2014/main" id="{E3CC1585-0C55-414E-9627-C7E86F4D68E2}"/>
-                </a:ext>
-              </a:extLst>
-            </p:cNvPr>
-            <p:cNvSpPr/>
-            <p:nvPr/>
-          </p:nvSpPr>
-          <p:spPr>
-            <a:xfrm>
-              <a:off x="10742096" y="3183137"/>
-              <a:ext cx="1369602" cy="676139"/>
-            </a:xfrm>
-            <a:prstGeom prst="rect">
-              <a:avLst/>
-            </a:prstGeom>
-            <a:solidFill>
-              <a:srgbClr val="7CDAF8"/>
-            </a:solidFill>
-            <a:ln w="12700">
-              <a:noFill/>
-            </a:ln>
-          </p:spPr>
-          <p:style>
-            <a:lnRef idx="2">
-              <a:schemeClr val="accent1">
-                <a:shade val="50000"/>
-              </a:schemeClr>
-            </a:lnRef>
-            <a:fillRef idx="1">
-              <a:schemeClr val="accent1"/>
-            </a:fillRef>
-            <a:effectRef idx="0">
-              <a:schemeClr val="accent1"/>
-            </a:effectRef>
-            <a:fontRef idx="minor">
-              <a:schemeClr val="lt1"/>
-            </a:fontRef>
-          </p:style>
-          <p:txBody>
-            <a:bodyPr rtlCol="0" anchor="ctr"/>
-            <a:lstStyle/>
-            <a:p>
-              <a:pPr algn="ctr"/>
-              <a:endParaRPr kumimoji="1" lang="zh-CN" altLang="en-US" sz="1000">
-                <a:latin typeface="Microsoft YaHei" panose="020B0503020204020204" pitchFamily="34" charset="-122"/>
-                <a:ea typeface="Microsoft YaHei" panose="020B0503020204020204" pitchFamily="34" charset="-122"/>
-              </a:endParaRPr>
-            </a:p>
-          </p:txBody>
-        </p:sp>
-        <p:cxnSp>
-          <p:nvCxnSpPr>
-            <p:cNvPr id="28" name="直线箭头连接符 101">
-              <a:extLst>
-                <a:ext uri="{FF2B5EF4-FFF2-40B4-BE49-F238E27FC236}">
-                  <a16:creationId xmlns:a16="http://schemas.microsoft.com/office/drawing/2014/main" id="{4FC01323-2EB0-489F-A357-308745550961}"/>
-                </a:ext>
-              </a:extLst>
-            </p:cNvPr>
-            <p:cNvCxnSpPr>
-              <a:cxnSpLocks/>
-            </p:cNvCxnSpPr>
-            <p:nvPr/>
-          </p:nvCxnSpPr>
-          <p:spPr>
-            <a:xfrm>
-              <a:off x="10133414" y="3486856"/>
-              <a:ext cx="442318" cy="0"/>
-            </a:xfrm>
-            <a:prstGeom prst="straightConnector1">
-              <a:avLst/>
-            </a:prstGeom>
-            <a:ln w="25400">
-              <a:solidFill>
-                <a:srgbClr val="A2A5BC"/>
-              </a:solidFill>
-              <a:tailEnd type="triangle"/>
-            </a:ln>
-          </p:spPr>
-          <p:style>
-            <a:lnRef idx="1">
-              <a:schemeClr val="accent1"/>
-            </a:lnRef>
-            <a:fillRef idx="0">
-              <a:schemeClr val="accent1"/>
-            </a:fillRef>
-            <a:effectRef idx="0">
-              <a:schemeClr val="accent1"/>
-            </a:effectRef>
-            <a:fontRef idx="minor">
-              <a:schemeClr val="tx1"/>
-            </a:fontRef>
-          </p:style>
-        </p:cxnSp>
-        <p:sp>
-          <p:nvSpPr>
-            <p:cNvPr id="29" name="Rectangle 41">
-              <a:extLst>
-                <a:ext uri="{FF2B5EF4-FFF2-40B4-BE49-F238E27FC236}">
-                  <a16:creationId xmlns:a16="http://schemas.microsoft.com/office/drawing/2014/main" id="{79CDFCC6-F166-42F5-A142-4620D6FE38B6}"/>
-                </a:ext>
-              </a:extLst>
-            </p:cNvPr>
-            <p:cNvSpPr>
-              <a:spLocks noChangeArrowheads="1"/>
-            </p:cNvSpPr>
-            <p:nvPr/>
-          </p:nvSpPr>
-          <p:spPr bwMode="auto">
-            <a:xfrm>
-              <a:off x="10862640" y="3385851"/>
-              <a:ext cx="1128514" cy="307777"/>
-            </a:xfrm>
-            <a:prstGeom prst="rect">
-              <a:avLst/>
-            </a:prstGeom>
-            <a:noFill/>
-            <a:ln>
-              <a:noFill/>
-            </a:ln>
+              <a:latin typeface="Arial" panose="020B0604020202020204" pitchFamily="34" charset="0"/>
+              <a:cs typeface="Arial" panose="020B0604020202020204" pitchFamily="34" charset="0"/>
+            </a:endParaRPr>
+          </a:p>
+        </p:txBody>
+      </p:sp>
+      <p:sp>
+        <p:nvSpPr>
+          <p:cNvPr id="34" name="文本框 33">
             <a:extLst>
-              <a:ext uri="{909E8E84-426E-40DD-AFC4-6F175D3DCCD1}">
-                <a14:hiddenFill xmlns:a14="http://schemas.microsoft.com/office/drawing/2010/main">
-                  <a:solidFill>
-                    <a:srgbClr val="FFFFFF"/>
-                  </a:solidFill>
-                </a14:hiddenFill>
-              </a:ext>
-              <a:ext uri="{91240B29-F687-4F45-9708-019B960494DF}">
-                <a14:hiddenLine xmlns:a14="http://schemas.microsoft.com/office/drawing/2010/main" w="9525">
-                  <a:solidFill>
-                    <a:srgbClr val="000000"/>
-                  </a:solidFill>
-                  <a:miter lim="800000"/>
-                  <a:headEnd/>
-                  <a:tailEnd/>
-                </a14:hiddenLine>
+              <a:ext uri="{FF2B5EF4-FFF2-40B4-BE49-F238E27FC236}">
+                <a16:creationId xmlns:a16="http://schemas.microsoft.com/office/drawing/2014/main" id="{33F1C936-61DD-4B7C-B14E-CBDD28DB18AC}"/>
               </a:ext>
             </a:extLst>
-          </p:spPr>
-          <p:txBody>
-            <a:bodyPr vert="horz" wrap="none" lIns="0" tIns="0" rIns="0" bIns="0" numCol="1" anchor="t" anchorCtr="0" compatLnSpc="1">
-              <a:prstTxWarp prst="textNoShape">
-                <a:avLst/>
-              </a:prstTxWarp>
-              <a:spAutoFit/>
-            </a:bodyPr>
-            <a:lstStyle>
-              <a:lvl1pPr eaLnBrk="0" fontAlgn="base" hangingPunct="0">
-                <a:spcBef>
-                  <a:spcPct val="0"/>
-                </a:spcBef>
-                <a:spcAft>
-                  <a:spcPct val="0"/>
-                </a:spcAft>
-                <a:defRPr>
-                  <a:solidFill>
-                    <a:schemeClr val="tx1"/>
-                  </a:solidFill>
-                  <a:latin typeface="Arial" panose="020B0604020202020204" pitchFamily="34" charset="0"/>
-                </a:defRPr>
-              </a:lvl1pPr>
-              <a:lvl2pPr eaLnBrk="0" fontAlgn="base" hangingPunct="0">
-                <a:spcBef>
-                  <a:spcPct val="0"/>
-                </a:spcBef>
-                <a:spcAft>
-                  <a:spcPct val="0"/>
-                </a:spcAft>
-                <a:defRPr>
-                  <a:solidFill>
-                    <a:schemeClr val="tx1"/>
-                  </a:solidFill>
-                  <a:latin typeface="Arial" panose="020B0604020202020204" pitchFamily="34" charset="0"/>
-                </a:defRPr>
-              </a:lvl2pPr>
-              <a:lvl3pPr eaLnBrk="0" fontAlgn="base" hangingPunct="0">
-                <a:spcBef>
-                  <a:spcPct val="0"/>
-                </a:spcBef>
-                <a:spcAft>
-                  <a:spcPct val="0"/>
-                </a:spcAft>
-                <a:defRPr>
-                  <a:solidFill>
-                    <a:schemeClr val="tx1"/>
-                  </a:solidFill>
-                  <a:latin typeface="Arial" panose="020B0604020202020204" pitchFamily="34" charset="0"/>
-                </a:defRPr>
-              </a:lvl3pPr>
-              <a:lvl4pPr eaLnBrk="0" fontAlgn="base" hangingPunct="0">
-                <a:spcBef>
-                  <a:spcPct val="0"/>
-                </a:spcBef>
-                <a:spcAft>
-                  <a:spcPct val="0"/>
-                </a:spcAft>
-                <a:defRPr>
-                  <a:solidFill>
-                    <a:schemeClr val="tx1"/>
-                  </a:solidFill>
-                  <a:latin typeface="Arial" panose="020B0604020202020204" pitchFamily="34" charset="0"/>
-                </a:defRPr>
-              </a:lvl4pPr>
-              <a:lvl5pPr eaLnBrk="0" fontAlgn="base" hangingPunct="0">
-                <a:spcBef>
-                  <a:spcPct val="0"/>
-                </a:spcBef>
-                <a:spcAft>
-                  <a:spcPct val="0"/>
-                </a:spcAft>
-                <a:defRPr>
-                  <a:solidFill>
-                    <a:schemeClr val="tx1"/>
-                  </a:solidFill>
-                  <a:latin typeface="Arial" panose="020B0604020202020204" pitchFamily="34" charset="0"/>
-                </a:defRPr>
-              </a:lvl5pPr>
-              <a:lvl6pPr eaLnBrk="0" fontAlgn="base" hangingPunct="0">
-                <a:spcBef>
-                  <a:spcPct val="0"/>
-                </a:spcBef>
-                <a:spcAft>
-                  <a:spcPct val="0"/>
-                </a:spcAft>
-                <a:defRPr>
-                  <a:solidFill>
-                    <a:schemeClr val="tx1"/>
-                  </a:solidFill>
-                  <a:latin typeface="Arial" panose="020B0604020202020204" pitchFamily="34" charset="0"/>
-                </a:defRPr>
-              </a:lvl6pPr>
-              <a:lvl7pPr eaLnBrk="0" fontAlgn="base" hangingPunct="0">
-                <a:spcBef>
-                  <a:spcPct val="0"/>
-                </a:spcBef>
-                <a:spcAft>
-                  <a:spcPct val="0"/>
-                </a:spcAft>
-                <a:defRPr>
-                  <a:solidFill>
-                    <a:schemeClr val="tx1"/>
-                  </a:solidFill>
-                  <a:latin typeface="Arial" panose="020B0604020202020204" pitchFamily="34" charset="0"/>
-                </a:defRPr>
-              </a:lvl7pPr>
-              <a:lvl8pPr eaLnBrk="0" fontAlgn="base" hangingPunct="0">
-                <a:spcBef>
-                  <a:spcPct val="0"/>
-                </a:spcBef>
-                <a:spcAft>
-                  <a:spcPct val="0"/>
-                </a:spcAft>
-                <a:defRPr>
-                  <a:solidFill>
-                    <a:schemeClr val="tx1"/>
-                  </a:solidFill>
-                  <a:latin typeface="Arial" panose="020B0604020202020204" pitchFamily="34" charset="0"/>
-                </a:defRPr>
-              </a:lvl8pPr>
-              <a:lvl9pPr eaLnBrk="0" fontAlgn="base" hangingPunct="0">
-                <a:spcBef>
-                  <a:spcPct val="0"/>
-                </a:spcBef>
-                <a:spcAft>
-                  <a:spcPct val="0"/>
-                </a:spcAft>
-                <a:defRPr>
-                  <a:solidFill>
-                    <a:schemeClr val="tx1"/>
-                  </a:solidFill>
-                  <a:latin typeface="Arial" panose="020B0604020202020204" pitchFamily="34" charset="0"/>
-                </a:defRPr>
-              </a:lvl9pPr>
-            </a:lstStyle>
-            <a:p>
-              <a:pPr algn="ctr">
-                <a:defRPr/>
-              </a:pPr>
-              <a:r>
-                <a:rPr kumimoji="1" lang="en-US" altLang="zh-CN" sz="1000" b="1" dirty="0">
-                  <a:solidFill>
-                    <a:srgbClr val="383C57"/>
-                  </a:solidFill>
-                  <a:cs typeface="Arial" panose="020B0604020202020204" pitchFamily="34" charset="0"/>
-                </a:rPr>
-                <a:t>Calculate Memory </a:t>
-              </a:r>
-            </a:p>
-            <a:p>
-              <a:pPr algn="ctr">
-                <a:defRPr/>
-              </a:pPr>
-              <a:r>
-                <a:rPr kumimoji="1" lang="en-US" altLang="zh-CN" sz="1000" b="1" dirty="0">
-                  <a:solidFill>
-                    <a:srgbClr val="383C57"/>
-                  </a:solidFill>
-                  <a:cs typeface="Arial" panose="020B0604020202020204" pitchFamily="34" charset="0"/>
-                </a:rPr>
-                <a:t>Usage Percentage</a:t>
-              </a:r>
-            </a:p>
-          </p:txBody>
-        </p:sp>
-        <p:sp>
-          <p:nvSpPr>
-            <p:cNvPr id="32" name="文本框 31">
-              <a:extLst>
-                <a:ext uri="{FF2B5EF4-FFF2-40B4-BE49-F238E27FC236}">
-                  <a16:creationId xmlns:a16="http://schemas.microsoft.com/office/drawing/2014/main" id="{0FFE232A-BE61-4248-9A89-D6F7B63E3660}"/>
-                </a:ext>
-              </a:extLst>
-            </p:cNvPr>
-            <p:cNvSpPr txBox="1"/>
-            <p:nvPr/>
-          </p:nvSpPr>
-          <p:spPr>
-            <a:xfrm>
-              <a:off x="1557827" y="3028890"/>
-              <a:ext cx="959350" cy="400110"/>
-            </a:xfrm>
-            <a:prstGeom prst="rect">
-              <a:avLst/>
-            </a:prstGeom>
-            <a:noFill/>
-          </p:spPr>
-          <p:txBody>
-            <a:bodyPr wrap="square" rtlCol="0">
-              <a:spAutoFit/>
-            </a:bodyPr>
-            <a:lstStyle/>
-            <a:p>
-              <a:pPr algn="ctr"/>
-              <a:r>
-                <a:rPr kumimoji="1" lang="en-US" altLang="zh-CN" sz="1000" b="1" dirty="0">
-                  <a:solidFill>
-                    <a:srgbClr val="383C57"/>
-                  </a:solidFill>
-                  <a:latin typeface="Arial" panose="020B0604020202020204" pitchFamily="34" charset="0"/>
-                  <a:cs typeface="Arial" panose="020B0604020202020204" pitchFamily="34" charset="0"/>
-                </a:rPr>
-                <a:t>Connect to EnOS</a:t>
-              </a:r>
-              <a:endParaRPr kumimoji="1" lang="zh-CN" altLang="en-US" sz="1000" b="1" dirty="0">
+          </p:cNvPr>
+          <p:cNvSpPr txBox="1"/>
+          <p:nvPr/>
+        </p:nvSpPr>
+        <p:spPr>
+          <a:xfrm>
+            <a:off x="2068918" y="3360682"/>
+            <a:ext cx="959350" cy="707886"/>
+          </a:xfrm>
+          <a:prstGeom prst="rect">
+            <a:avLst/>
+          </a:prstGeom>
+          <a:noFill/>
+        </p:spPr>
+        <p:txBody>
+          <a:bodyPr wrap="square" rtlCol="0">
+            <a:spAutoFit/>
+          </a:bodyPr>
+          <a:lstStyle/>
+          <a:p>
+            <a:pPr algn="ctr"/>
+            <a:r>
+              <a:rPr kumimoji="1" lang="en-US" altLang="zh-CN" sz="1000" b="1" dirty="0">
                 <a:solidFill>
                   <a:srgbClr val="383C57"/>
                 </a:solidFill>
                 <a:latin typeface="Arial" panose="020B0604020202020204" pitchFamily="34" charset="0"/>
                 <a:cs typeface="Arial" panose="020B0604020202020204" pitchFamily="34" charset="0"/>
-              </a:endParaRPr>
-            </a:p>
-          </p:txBody>
-        </p:sp>
-        <p:sp>
-          <p:nvSpPr>
-            <p:cNvPr id="34" name="文本框 33">
-              <a:extLst>
-                <a:ext uri="{FF2B5EF4-FFF2-40B4-BE49-F238E27FC236}">
-                  <a16:creationId xmlns:a16="http://schemas.microsoft.com/office/drawing/2014/main" id="{33F1C936-61DD-4B7C-B14E-CBDD28DB18AC}"/>
-                </a:ext>
-              </a:extLst>
-            </p:cNvPr>
-            <p:cNvSpPr txBox="1"/>
-            <p:nvPr/>
-          </p:nvSpPr>
-          <p:spPr>
-            <a:xfrm>
-              <a:off x="1543881" y="3635380"/>
-              <a:ext cx="959350" cy="400110"/>
-            </a:xfrm>
-            <a:prstGeom prst="rect">
+              </a:rPr>
+              <a:t>Update Attributes and send command</a:t>
+            </a:r>
+            <a:endParaRPr kumimoji="1" lang="zh-CN" altLang="en-US" sz="1000" b="1" dirty="0">
+              <a:solidFill>
+                <a:srgbClr val="383C57"/>
+              </a:solidFill>
+              <a:latin typeface="Arial" panose="020B0604020202020204" pitchFamily="34" charset="0"/>
+              <a:cs typeface="Arial" panose="020B0604020202020204" pitchFamily="34" charset="0"/>
+            </a:endParaRPr>
+          </a:p>
+        </p:txBody>
+      </p:sp>
+      <p:sp>
+        <p:nvSpPr>
+          <p:cNvPr id="57" name="Rectangle 41">
+            <a:extLst>
+              <a:ext uri="{FF2B5EF4-FFF2-40B4-BE49-F238E27FC236}">
+                <a16:creationId xmlns:a16="http://schemas.microsoft.com/office/drawing/2014/main" id="{CA551A6A-EC6E-3846-9412-FB94E5507A69}"/>
+              </a:ext>
+            </a:extLst>
+          </p:cNvPr>
+          <p:cNvSpPr>
+            <a:spLocks noChangeArrowheads="1"/>
+          </p:cNvSpPr>
+          <p:nvPr/>
+        </p:nvSpPr>
+        <p:spPr bwMode="auto">
+          <a:xfrm>
+            <a:off x="1479013" y="4659682"/>
+            <a:ext cx="1179810" cy="153888"/>
+          </a:xfrm>
+          <a:prstGeom prst="rect">
+            <a:avLst/>
+          </a:prstGeom>
+          <a:noFill/>
+          <a:ln>
+            <a:noFill/>
+          </a:ln>
+          <a:extLst>
+            <a:ext uri="{909E8E84-426E-40DD-AFC4-6F175D3DCCD1}">
+              <a14:hiddenFill xmlns:a14="http://schemas.microsoft.com/office/drawing/2010/main">
+                <a:solidFill>
+                  <a:srgbClr val="FFFFFF"/>
+                </a:solidFill>
+              </a14:hiddenFill>
+            </a:ext>
+            <a:ext uri="{91240B29-F687-4F45-9708-019B960494DF}">
+              <a14:hiddenLine xmlns:a14="http://schemas.microsoft.com/office/drawing/2010/main" w="9525">
+                <a:solidFill>
+                  <a:srgbClr val="000000"/>
+                </a:solidFill>
+                <a:miter lim="800000"/>
+                <a:headEnd/>
+                <a:tailEnd/>
+              </a14:hiddenLine>
+            </a:ext>
+          </a:extLst>
+        </p:spPr>
+        <p:txBody>
+          <a:bodyPr vert="horz" wrap="none" lIns="0" tIns="0" rIns="0" bIns="0" numCol="1" anchor="t" anchorCtr="0" compatLnSpc="1">
+            <a:prstTxWarp prst="textNoShape">
               <a:avLst/>
-            </a:prstGeom>
-            <a:noFill/>
-          </p:spPr>
-          <p:txBody>
-            <a:bodyPr wrap="square" rtlCol="0">
-              <a:spAutoFit/>
-            </a:bodyPr>
-            <a:lstStyle/>
-            <a:p>
-              <a:pPr algn="ctr"/>
-              <a:r>
-                <a:rPr kumimoji="1" lang="en-US" altLang="zh-CN" sz="1000" b="1" dirty="0">
-                  <a:solidFill>
-                    <a:srgbClr val="383C57"/>
-                  </a:solidFill>
-                  <a:latin typeface="Arial" panose="020B0604020202020204" pitchFamily="34" charset="0"/>
-                  <a:cs typeface="Arial" panose="020B0604020202020204" pitchFamily="34" charset="0"/>
-                </a:rPr>
-                <a:t>Update Attributes</a:t>
-              </a:r>
-              <a:endParaRPr kumimoji="1" lang="zh-CN" altLang="en-US" sz="1000" b="1" dirty="0">
+            </a:prstTxWarp>
+            <a:spAutoFit/>
+          </a:bodyPr>
+          <a:lstStyle>
+            <a:lvl1pPr eaLnBrk="0" fontAlgn="base" hangingPunct="0">
+              <a:spcBef>
+                <a:spcPct val="0"/>
+              </a:spcBef>
+              <a:spcAft>
+                <a:spcPct val="0"/>
+              </a:spcAft>
+              <a:defRPr>
+                <a:solidFill>
+                  <a:schemeClr val="tx1"/>
+                </a:solidFill>
+                <a:latin typeface="Arial" panose="020B0604020202020204" pitchFamily="34" charset="0"/>
+              </a:defRPr>
+            </a:lvl1pPr>
+            <a:lvl2pPr eaLnBrk="0" fontAlgn="base" hangingPunct="0">
+              <a:spcBef>
+                <a:spcPct val="0"/>
+              </a:spcBef>
+              <a:spcAft>
+                <a:spcPct val="0"/>
+              </a:spcAft>
+              <a:defRPr>
+                <a:solidFill>
+                  <a:schemeClr val="tx1"/>
+                </a:solidFill>
+                <a:latin typeface="Arial" panose="020B0604020202020204" pitchFamily="34" charset="0"/>
+              </a:defRPr>
+            </a:lvl2pPr>
+            <a:lvl3pPr eaLnBrk="0" fontAlgn="base" hangingPunct="0">
+              <a:spcBef>
+                <a:spcPct val="0"/>
+              </a:spcBef>
+              <a:spcAft>
+                <a:spcPct val="0"/>
+              </a:spcAft>
+              <a:defRPr>
+                <a:solidFill>
+                  <a:schemeClr val="tx1"/>
+                </a:solidFill>
+                <a:latin typeface="Arial" panose="020B0604020202020204" pitchFamily="34" charset="0"/>
+              </a:defRPr>
+            </a:lvl3pPr>
+            <a:lvl4pPr eaLnBrk="0" fontAlgn="base" hangingPunct="0">
+              <a:spcBef>
+                <a:spcPct val="0"/>
+              </a:spcBef>
+              <a:spcAft>
+                <a:spcPct val="0"/>
+              </a:spcAft>
+              <a:defRPr>
+                <a:solidFill>
+                  <a:schemeClr val="tx1"/>
+                </a:solidFill>
+                <a:latin typeface="Arial" panose="020B0604020202020204" pitchFamily="34" charset="0"/>
+              </a:defRPr>
+            </a:lvl4pPr>
+            <a:lvl5pPr eaLnBrk="0" fontAlgn="base" hangingPunct="0">
+              <a:spcBef>
+                <a:spcPct val="0"/>
+              </a:spcBef>
+              <a:spcAft>
+                <a:spcPct val="0"/>
+              </a:spcAft>
+              <a:defRPr>
+                <a:solidFill>
+                  <a:schemeClr val="tx1"/>
+                </a:solidFill>
+                <a:latin typeface="Arial" panose="020B0604020202020204" pitchFamily="34" charset="0"/>
+              </a:defRPr>
+            </a:lvl5pPr>
+            <a:lvl6pPr eaLnBrk="0" fontAlgn="base" hangingPunct="0">
+              <a:spcBef>
+                <a:spcPct val="0"/>
+              </a:spcBef>
+              <a:spcAft>
+                <a:spcPct val="0"/>
+              </a:spcAft>
+              <a:defRPr>
+                <a:solidFill>
+                  <a:schemeClr val="tx1"/>
+                </a:solidFill>
+                <a:latin typeface="Arial" panose="020B0604020202020204" pitchFamily="34" charset="0"/>
+              </a:defRPr>
+            </a:lvl6pPr>
+            <a:lvl7pPr eaLnBrk="0" fontAlgn="base" hangingPunct="0">
+              <a:spcBef>
+                <a:spcPct val="0"/>
+              </a:spcBef>
+              <a:spcAft>
+                <a:spcPct val="0"/>
+              </a:spcAft>
+              <a:defRPr>
+                <a:solidFill>
+                  <a:schemeClr val="tx1"/>
+                </a:solidFill>
+                <a:latin typeface="Arial" panose="020B0604020202020204" pitchFamily="34" charset="0"/>
+              </a:defRPr>
+            </a:lvl7pPr>
+            <a:lvl8pPr eaLnBrk="0" fontAlgn="base" hangingPunct="0">
+              <a:spcBef>
+                <a:spcPct val="0"/>
+              </a:spcBef>
+              <a:spcAft>
+                <a:spcPct val="0"/>
+              </a:spcAft>
+              <a:defRPr>
+                <a:solidFill>
+                  <a:schemeClr val="tx1"/>
+                </a:solidFill>
+                <a:latin typeface="Arial" panose="020B0604020202020204" pitchFamily="34" charset="0"/>
+              </a:defRPr>
+            </a:lvl8pPr>
+            <a:lvl9pPr eaLnBrk="0" fontAlgn="base" hangingPunct="0">
+              <a:spcBef>
+                <a:spcPct val="0"/>
+              </a:spcBef>
+              <a:spcAft>
+                <a:spcPct val="0"/>
+              </a:spcAft>
+              <a:defRPr>
+                <a:solidFill>
+                  <a:schemeClr val="tx1"/>
+                </a:solidFill>
+                <a:latin typeface="Arial" panose="020B0604020202020204" pitchFamily="34" charset="0"/>
+              </a:defRPr>
+            </a:lvl9pPr>
+          </a:lstStyle>
+          <a:p>
+            <a:pPr algn="ctr">
+              <a:defRPr/>
+            </a:pPr>
+            <a:r>
+              <a:rPr kumimoji="1" lang="en-US" altLang="zh-CN" sz="1000" b="1" dirty="0">
+                <a:solidFill>
+                  <a:srgbClr val="383C57"/>
+                </a:solidFill>
+                <a:cs typeface="Arial" panose="020B0604020202020204" pitchFamily="34" charset="0"/>
+              </a:rPr>
+              <a:t>Personal Computer</a:t>
+            </a:r>
+            <a:endParaRPr kumimoji="1" lang="zh-CN" altLang="en-US" sz="1000" b="1" dirty="0">
+              <a:solidFill>
+                <a:srgbClr val="383C57"/>
+              </a:solidFill>
+              <a:cs typeface="Arial" panose="020B0604020202020204" pitchFamily="34" charset="0"/>
+            </a:endParaRPr>
+          </a:p>
+        </p:txBody>
+      </p:sp>
+      <p:pic>
+        <p:nvPicPr>
+          <p:cNvPr id="4" name="图形 3">
+            <a:extLst>
+              <a:ext uri="{FF2B5EF4-FFF2-40B4-BE49-F238E27FC236}">
+                <a16:creationId xmlns:a16="http://schemas.microsoft.com/office/drawing/2014/main" id="{B289B2BA-6D58-F04C-92C4-CEF48088D892}"/>
+              </a:ext>
+            </a:extLst>
+          </p:cNvPr>
+          <p:cNvPicPr>
+            <a:picLocks noChangeAspect="1"/>
+          </p:cNvPicPr>
+          <p:nvPr/>
+        </p:nvPicPr>
+        <p:blipFill>
+          <a:blip r:embed="rId2" cstate="print">
+            <a:extLst>
+              <a:ext uri="{28A0092B-C50C-407E-A947-70E740481C1C}">
+                <a14:useLocalDpi xmlns:a14="http://schemas.microsoft.com/office/drawing/2010/main" val="0"/>
+              </a:ext>
+              <a:ext uri="{96DAC541-7B7A-43D3-8B79-37D633B846F1}">
+                <asvg:svgBlip xmlns:asvg="http://schemas.microsoft.com/office/drawing/2016/SVG/main" r:embed="rId3"/>
+              </a:ext>
+            </a:extLst>
+          </a:blip>
+          <a:stretch>
+            <a:fillRect/>
+          </a:stretch>
+        </p:blipFill>
+        <p:spPr>
+          <a:xfrm>
+            <a:off x="1857297" y="4185597"/>
+            <a:ext cx="437903" cy="518763"/>
+          </a:xfrm>
+          <a:prstGeom prst="rect">
+            <a:avLst/>
+          </a:prstGeom>
+        </p:spPr>
+      </p:pic>
+      <p:pic>
+        <p:nvPicPr>
+          <p:cNvPr id="6" name="图形 5">
+            <a:extLst>
+              <a:ext uri="{FF2B5EF4-FFF2-40B4-BE49-F238E27FC236}">
+                <a16:creationId xmlns:a16="http://schemas.microsoft.com/office/drawing/2014/main" id="{D6E870BA-9992-4546-9F0F-7678EAA9C133}"/>
+              </a:ext>
+            </a:extLst>
+          </p:cNvPr>
+          <p:cNvPicPr>
+            <a:picLocks noChangeAspect="1"/>
+          </p:cNvPicPr>
+          <p:nvPr/>
+        </p:nvPicPr>
+        <p:blipFill>
+          <a:blip r:embed="rId4" cstate="print">
+            <a:extLst>
+              <a:ext uri="{28A0092B-C50C-407E-A947-70E740481C1C}">
+                <a14:useLocalDpi xmlns:a14="http://schemas.microsoft.com/office/drawing/2010/main" val="0"/>
+              </a:ext>
+              <a:ext uri="{96DAC541-7B7A-43D3-8B79-37D633B846F1}">
+                <asvg:svgBlip xmlns:asvg="http://schemas.microsoft.com/office/drawing/2016/SVG/main" r:embed="rId5"/>
+              </a:ext>
+            </a:extLst>
+          </a:blip>
+          <a:stretch>
+            <a:fillRect/>
+          </a:stretch>
+        </p:blipFill>
+        <p:spPr>
+          <a:xfrm>
+            <a:off x="3629314" y="2345874"/>
+            <a:ext cx="426496" cy="426496"/>
+          </a:xfrm>
+          <a:prstGeom prst="rect">
+            <a:avLst/>
+          </a:prstGeom>
+        </p:spPr>
+      </p:pic>
+      <p:sp>
+        <p:nvSpPr>
+          <p:cNvPr id="58" name="文本框 57">
+            <a:extLst>
+              <a:ext uri="{FF2B5EF4-FFF2-40B4-BE49-F238E27FC236}">
+                <a16:creationId xmlns:a16="http://schemas.microsoft.com/office/drawing/2014/main" id="{00F6FB11-E3A6-E64C-9935-9B24B1F1F8E6}"/>
+              </a:ext>
+            </a:extLst>
+          </p:cNvPr>
+          <p:cNvSpPr txBox="1"/>
+          <p:nvPr/>
+        </p:nvSpPr>
+        <p:spPr>
+          <a:xfrm>
+            <a:off x="3119142" y="3142299"/>
+            <a:ext cx="1369601" cy="400110"/>
+          </a:xfrm>
+          <a:prstGeom prst="rect">
+            <a:avLst/>
+          </a:prstGeom>
+          <a:noFill/>
+        </p:spPr>
+        <p:txBody>
+          <a:bodyPr wrap="square" rtlCol="0">
+            <a:spAutoFit/>
+          </a:bodyPr>
+          <a:lstStyle/>
+          <a:p>
+            <a:pPr algn="ctr"/>
+            <a:r>
+              <a:rPr kumimoji="1" lang="en-US" altLang="zh-CN" sz="1000" b="1" dirty="0">
                 <a:solidFill>
                   <a:srgbClr val="383C57"/>
                 </a:solidFill>
                 <a:latin typeface="Arial" panose="020B0604020202020204" pitchFamily="34" charset="0"/>
                 <a:cs typeface="Arial" panose="020B0604020202020204" pitchFamily="34" charset="0"/>
-              </a:endParaRPr>
-            </a:p>
-          </p:txBody>
-        </p:sp>
-        <p:sp>
-          <p:nvSpPr>
-            <p:cNvPr id="57" name="Rectangle 41">
-              <a:extLst>
-                <a:ext uri="{FF2B5EF4-FFF2-40B4-BE49-F238E27FC236}">
-                  <a16:creationId xmlns:a16="http://schemas.microsoft.com/office/drawing/2014/main" id="{CA551A6A-EC6E-3846-9412-FB94E5507A69}"/>
-                </a:ext>
-              </a:extLst>
-            </p:cNvPr>
-            <p:cNvSpPr>
-              <a:spLocks noChangeArrowheads="1"/>
-            </p:cNvSpPr>
-            <p:nvPr/>
-          </p:nvSpPr>
-          <p:spPr bwMode="auto">
-            <a:xfrm>
-              <a:off x="122824" y="3621992"/>
-              <a:ext cx="1179810" cy="153888"/>
-            </a:xfrm>
-            <a:prstGeom prst="rect">
-              <a:avLst/>
-            </a:prstGeom>
-            <a:noFill/>
-            <a:ln>
-              <a:noFill/>
-            </a:ln>
+              </a:rPr>
+              <a:t>Configure Storage Policy</a:t>
+            </a:r>
+            <a:endParaRPr kumimoji="1" lang="zh-CN" altLang="en-US" sz="1000" b="1" dirty="0">
+              <a:solidFill>
+                <a:srgbClr val="383C57"/>
+              </a:solidFill>
+              <a:latin typeface="Arial" panose="020B0604020202020204" pitchFamily="34" charset="0"/>
+              <a:cs typeface="Arial" panose="020B0604020202020204" pitchFamily="34" charset="0"/>
+            </a:endParaRPr>
+          </a:p>
+        </p:txBody>
+      </p:sp>
+      <p:pic>
+        <p:nvPicPr>
+          <p:cNvPr id="9" name="图形 8">
             <a:extLst>
-              <a:ext uri="{909E8E84-426E-40DD-AFC4-6F175D3DCCD1}">
-                <a14:hiddenFill xmlns:a14="http://schemas.microsoft.com/office/drawing/2010/main">
-                  <a:solidFill>
-                    <a:srgbClr val="FFFFFF"/>
-                  </a:solidFill>
-                </a14:hiddenFill>
-              </a:ext>
-              <a:ext uri="{91240B29-F687-4F45-9708-019B960494DF}">
-                <a14:hiddenLine xmlns:a14="http://schemas.microsoft.com/office/drawing/2010/main" w="9525">
-                  <a:solidFill>
-                    <a:srgbClr val="000000"/>
-                  </a:solidFill>
-                  <a:miter lim="800000"/>
-                  <a:headEnd/>
-                  <a:tailEnd/>
-                </a14:hiddenLine>
+              <a:ext uri="{FF2B5EF4-FFF2-40B4-BE49-F238E27FC236}">
+                <a16:creationId xmlns:a16="http://schemas.microsoft.com/office/drawing/2014/main" id="{10317252-98CE-4549-977C-0FE97E6E47FE}"/>
               </a:ext>
             </a:extLst>
-          </p:spPr>
-          <p:txBody>
-            <a:bodyPr vert="horz" wrap="none" lIns="0" tIns="0" rIns="0" bIns="0" numCol="1" anchor="t" anchorCtr="0" compatLnSpc="1">
-              <a:prstTxWarp prst="textNoShape">
-                <a:avLst/>
-              </a:prstTxWarp>
-              <a:spAutoFit/>
-            </a:bodyPr>
-            <a:lstStyle>
-              <a:lvl1pPr eaLnBrk="0" fontAlgn="base" hangingPunct="0">
-                <a:spcBef>
-                  <a:spcPct val="0"/>
-                </a:spcBef>
-                <a:spcAft>
-                  <a:spcPct val="0"/>
-                </a:spcAft>
-                <a:defRPr>
-                  <a:solidFill>
-                    <a:schemeClr val="tx1"/>
-                  </a:solidFill>
-                  <a:latin typeface="Arial" panose="020B0604020202020204" pitchFamily="34" charset="0"/>
-                </a:defRPr>
-              </a:lvl1pPr>
-              <a:lvl2pPr eaLnBrk="0" fontAlgn="base" hangingPunct="0">
-                <a:spcBef>
-                  <a:spcPct val="0"/>
-                </a:spcBef>
-                <a:spcAft>
-                  <a:spcPct val="0"/>
-                </a:spcAft>
-                <a:defRPr>
-                  <a:solidFill>
-                    <a:schemeClr val="tx1"/>
-                  </a:solidFill>
-                  <a:latin typeface="Arial" panose="020B0604020202020204" pitchFamily="34" charset="0"/>
-                </a:defRPr>
-              </a:lvl2pPr>
-              <a:lvl3pPr eaLnBrk="0" fontAlgn="base" hangingPunct="0">
-                <a:spcBef>
-                  <a:spcPct val="0"/>
-                </a:spcBef>
-                <a:spcAft>
-                  <a:spcPct val="0"/>
-                </a:spcAft>
-                <a:defRPr>
-                  <a:solidFill>
-                    <a:schemeClr val="tx1"/>
-                  </a:solidFill>
-                  <a:latin typeface="Arial" panose="020B0604020202020204" pitchFamily="34" charset="0"/>
-                </a:defRPr>
-              </a:lvl3pPr>
-              <a:lvl4pPr eaLnBrk="0" fontAlgn="base" hangingPunct="0">
-                <a:spcBef>
-                  <a:spcPct val="0"/>
-                </a:spcBef>
-                <a:spcAft>
-                  <a:spcPct val="0"/>
-                </a:spcAft>
-                <a:defRPr>
-                  <a:solidFill>
-                    <a:schemeClr val="tx1"/>
-                  </a:solidFill>
-                  <a:latin typeface="Arial" panose="020B0604020202020204" pitchFamily="34" charset="0"/>
-                </a:defRPr>
-              </a:lvl4pPr>
-              <a:lvl5pPr eaLnBrk="0" fontAlgn="base" hangingPunct="0">
-                <a:spcBef>
-                  <a:spcPct val="0"/>
-                </a:spcBef>
-                <a:spcAft>
-                  <a:spcPct val="0"/>
-                </a:spcAft>
-                <a:defRPr>
-                  <a:solidFill>
-                    <a:schemeClr val="tx1"/>
-                  </a:solidFill>
-                  <a:latin typeface="Arial" panose="020B0604020202020204" pitchFamily="34" charset="0"/>
-                </a:defRPr>
-              </a:lvl5pPr>
-              <a:lvl6pPr eaLnBrk="0" fontAlgn="base" hangingPunct="0">
-                <a:spcBef>
-                  <a:spcPct val="0"/>
-                </a:spcBef>
-                <a:spcAft>
-                  <a:spcPct val="0"/>
-                </a:spcAft>
-                <a:defRPr>
-                  <a:solidFill>
-                    <a:schemeClr val="tx1"/>
-                  </a:solidFill>
-                  <a:latin typeface="Arial" panose="020B0604020202020204" pitchFamily="34" charset="0"/>
-                </a:defRPr>
-              </a:lvl6pPr>
-              <a:lvl7pPr eaLnBrk="0" fontAlgn="base" hangingPunct="0">
-                <a:spcBef>
-                  <a:spcPct val="0"/>
-                </a:spcBef>
-                <a:spcAft>
-                  <a:spcPct val="0"/>
-                </a:spcAft>
-                <a:defRPr>
-                  <a:solidFill>
-                    <a:schemeClr val="tx1"/>
-                  </a:solidFill>
-                  <a:latin typeface="Arial" panose="020B0604020202020204" pitchFamily="34" charset="0"/>
-                </a:defRPr>
-              </a:lvl7pPr>
-              <a:lvl8pPr eaLnBrk="0" fontAlgn="base" hangingPunct="0">
-                <a:spcBef>
-                  <a:spcPct val="0"/>
-                </a:spcBef>
-                <a:spcAft>
-                  <a:spcPct val="0"/>
-                </a:spcAft>
-                <a:defRPr>
-                  <a:solidFill>
-                    <a:schemeClr val="tx1"/>
-                  </a:solidFill>
-                  <a:latin typeface="Arial" panose="020B0604020202020204" pitchFamily="34" charset="0"/>
-                </a:defRPr>
-              </a:lvl8pPr>
-              <a:lvl9pPr eaLnBrk="0" fontAlgn="base" hangingPunct="0">
-                <a:spcBef>
-                  <a:spcPct val="0"/>
-                </a:spcBef>
-                <a:spcAft>
-                  <a:spcPct val="0"/>
-                </a:spcAft>
-                <a:defRPr>
-                  <a:solidFill>
-                    <a:schemeClr val="tx1"/>
-                  </a:solidFill>
-                  <a:latin typeface="Arial" panose="020B0604020202020204" pitchFamily="34" charset="0"/>
-                </a:defRPr>
-              </a:lvl9pPr>
-            </a:lstStyle>
-            <a:p>
-              <a:pPr algn="ctr">
-                <a:defRPr/>
-              </a:pPr>
-              <a:r>
-                <a:rPr kumimoji="1" lang="en-US" altLang="zh-CN" sz="1000" b="1" dirty="0">
-                  <a:solidFill>
-                    <a:srgbClr val="383C57"/>
-                  </a:solidFill>
-                  <a:cs typeface="Arial" panose="020B0604020202020204" pitchFamily="34" charset="0"/>
-                </a:rPr>
-                <a:t>Personal Computer</a:t>
-              </a:r>
-              <a:endParaRPr kumimoji="1" lang="zh-CN" altLang="en-US" sz="1000" b="1" dirty="0">
+          </p:cNvPr>
+          <p:cNvPicPr>
+            <a:picLocks noChangeAspect="1"/>
+          </p:cNvPicPr>
+          <p:nvPr/>
+        </p:nvPicPr>
+        <p:blipFill>
+          <a:blip r:embed="rId6" cstate="print">
+            <a:extLst>
+              <a:ext uri="{28A0092B-C50C-407E-A947-70E740481C1C}">
+                <a14:useLocalDpi xmlns:a14="http://schemas.microsoft.com/office/drawing/2010/main" val="0"/>
+              </a:ext>
+              <a:ext uri="{96DAC541-7B7A-43D3-8B79-37D633B846F1}">
+                <asvg:svgBlip xmlns:asvg="http://schemas.microsoft.com/office/drawing/2016/SVG/main" r:embed="rId7"/>
+              </a:ext>
+            </a:extLst>
+          </a:blip>
+          <a:stretch>
+            <a:fillRect/>
+          </a:stretch>
+        </p:blipFill>
+        <p:spPr>
+          <a:xfrm>
+            <a:off x="5705496" y="2375791"/>
+            <a:ext cx="485729" cy="346949"/>
+          </a:xfrm>
+          <a:prstGeom prst="rect">
+            <a:avLst/>
+          </a:prstGeom>
+        </p:spPr>
+      </p:pic>
+      <p:sp>
+        <p:nvSpPr>
+          <p:cNvPr id="59" name="Rectangle 41">
+            <a:extLst>
+              <a:ext uri="{FF2B5EF4-FFF2-40B4-BE49-F238E27FC236}">
+                <a16:creationId xmlns:a16="http://schemas.microsoft.com/office/drawing/2014/main" id="{A4320417-77F3-4B4B-AE87-6775B140AA35}"/>
+              </a:ext>
+            </a:extLst>
+          </p:cNvPr>
+          <p:cNvSpPr>
+            <a:spLocks noChangeArrowheads="1"/>
+          </p:cNvSpPr>
+          <p:nvPr/>
+        </p:nvSpPr>
+        <p:spPr bwMode="auto">
+          <a:xfrm>
+            <a:off x="7662313" y="3080743"/>
+            <a:ext cx="1115690" cy="307777"/>
+          </a:xfrm>
+          <a:prstGeom prst="rect">
+            <a:avLst/>
+          </a:prstGeom>
+          <a:noFill/>
+          <a:ln>
+            <a:noFill/>
+          </a:ln>
+          <a:extLst>
+            <a:ext uri="{909E8E84-426E-40DD-AFC4-6F175D3DCCD1}">
+              <a14:hiddenFill xmlns:a14="http://schemas.microsoft.com/office/drawing/2010/main">
+                <a:solidFill>
+                  <a:srgbClr val="FFFFFF"/>
+                </a:solidFill>
+              </a14:hiddenFill>
+            </a:ext>
+            <a:ext uri="{91240B29-F687-4F45-9708-019B960494DF}">
+              <a14:hiddenLine xmlns:a14="http://schemas.microsoft.com/office/drawing/2010/main" w="9525">
+                <a:solidFill>
+                  <a:srgbClr val="000000"/>
+                </a:solidFill>
+                <a:miter lim="800000"/>
+                <a:headEnd/>
+                <a:tailEnd/>
+              </a14:hiddenLine>
+            </a:ext>
+          </a:extLst>
+        </p:spPr>
+        <p:txBody>
+          <a:bodyPr vert="horz" wrap="none" lIns="0" tIns="0" rIns="0" bIns="0" numCol="1" anchor="t" anchorCtr="0" compatLnSpc="1">
+            <a:prstTxWarp prst="textNoShape">
+              <a:avLst/>
+            </a:prstTxWarp>
+            <a:spAutoFit/>
+          </a:bodyPr>
+          <a:lstStyle>
+            <a:lvl1pPr eaLnBrk="0" fontAlgn="base" hangingPunct="0">
+              <a:spcBef>
+                <a:spcPct val="0"/>
+              </a:spcBef>
+              <a:spcAft>
+                <a:spcPct val="0"/>
+              </a:spcAft>
+              <a:defRPr>
+                <a:solidFill>
+                  <a:schemeClr val="tx1"/>
+                </a:solidFill>
+                <a:latin typeface="Arial" panose="020B0604020202020204" pitchFamily="34" charset="0"/>
+              </a:defRPr>
+            </a:lvl1pPr>
+            <a:lvl2pPr eaLnBrk="0" fontAlgn="base" hangingPunct="0">
+              <a:spcBef>
+                <a:spcPct val="0"/>
+              </a:spcBef>
+              <a:spcAft>
+                <a:spcPct val="0"/>
+              </a:spcAft>
+              <a:defRPr>
+                <a:solidFill>
+                  <a:schemeClr val="tx1"/>
+                </a:solidFill>
+                <a:latin typeface="Arial" panose="020B0604020202020204" pitchFamily="34" charset="0"/>
+              </a:defRPr>
+            </a:lvl2pPr>
+            <a:lvl3pPr eaLnBrk="0" fontAlgn="base" hangingPunct="0">
+              <a:spcBef>
+                <a:spcPct val="0"/>
+              </a:spcBef>
+              <a:spcAft>
+                <a:spcPct val="0"/>
+              </a:spcAft>
+              <a:defRPr>
+                <a:solidFill>
+                  <a:schemeClr val="tx1"/>
+                </a:solidFill>
+                <a:latin typeface="Arial" panose="020B0604020202020204" pitchFamily="34" charset="0"/>
+              </a:defRPr>
+            </a:lvl3pPr>
+            <a:lvl4pPr eaLnBrk="0" fontAlgn="base" hangingPunct="0">
+              <a:spcBef>
+                <a:spcPct val="0"/>
+              </a:spcBef>
+              <a:spcAft>
+                <a:spcPct val="0"/>
+              </a:spcAft>
+              <a:defRPr>
+                <a:solidFill>
+                  <a:schemeClr val="tx1"/>
+                </a:solidFill>
+                <a:latin typeface="Arial" panose="020B0604020202020204" pitchFamily="34" charset="0"/>
+              </a:defRPr>
+            </a:lvl4pPr>
+            <a:lvl5pPr eaLnBrk="0" fontAlgn="base" hangingPunct="0">
+              <a:spcBef>
+                <a:spcPct val="0"/>
+              </a:spcBef>
+              <a:spcAft>
+                <a:spcPct val="0"/>
+              </a:spcAft>
+              <a:defRPr>
+                <a:solidFill>
+                  <a:schemeClr val="tx1"/>
+                </a:solidFill>
+                <a:latin typeface="Arial" panose="020B0604020202020204" pitchFamily="34" charset="0"/>
+              </a:defRPr>
+            </a:lvl5pPr>
+            <a:lvl6pPr eaLnBrk="0" fontAlgn="base" hangingPunct="0">
+              <a:spcBef>
+                <a:spcPct val="0"/>
+              </a:spcBef>
+              <a:spcAft>
+                <a:spcPct val="0"/>
+              </a:spcAft>
+              <a:defRPr>
+                <a:solidFill>
+                  <a:schemeClr val="tx1"/>
+                </a:solidFill>
+                <a:latin typeface="Arial" panose="020B0604020202020204" pitchFamily="34" charset="0"/>
+              </a:defRPr>
+            </a:lvl6pPr>
+            <a:lvl7pPr eaLnBrk="0" fontAlgn="base" hangingPunct="0">
+              <a:spcBef>
+                <a:spcPct val="0"/>
+              </a:spcBef>
+              <a:spcAft>
+                <a:spcPct val="0"/>
+              </a:spcAft>
+              <a:defRPr>
+                <a:solidFill>
+                  <a:schemeClr val="tx1"/>
+                </a:solidFill>
+                <a:latin typeface="Arial" panose="020B0604020202020204" pitchFamily="34" charset="0"/>
+              </a:defRPr>
+            </a:lvl7pPr>
+            <a:lvl8pPr eaLnBrk="0" fontAlgn="base" hangingPunct="0">
+              <a:spcBef>
+                <a:spcPct val="0"/>
+              </a:spcBef>
+              <a:spcAft>
+                <a:spcPct val="0"/>
+              </a:spcAft>
+              <a:defRPr>
+                <a:solidFill>
+                  <a:schemeClr val="tx1"/>
+                </a:solidFill>
+                <a:latin typeface="Arial" panose="020B0604020202020204" pitchFamily="34" charset="0"/>
+              </a:defRPr>
+            </a:lvl8pPr>
+            <a:lvl9pPr eaLnBrk="0" fontAlgn="base" hangingPunct="0">
+              <a:spcBef>
+                <a:spcPct val="0"/>
+              </a:spcBef>
+              <a:spcAft>
+                <a:spcPct val="0"/>
+              </a:spcAft>
+              <a:defRPr>
+                <a:solidFill>
+                  <a:schemeClr val="tx1"/>
+                </a:solidFill>
+                <a:latin typeface="Arial" panose="020B0604020202020204" pitchFamily="34" charset="0"/>
+              </a:defRPr>
+            </a:lvl9pPr>
+          </a:lstStyle>
+          <a:p>
+            <a:pPr algn="ctr">
+              <a:defRPr/>
+            </a:pPr>
+            <a:r>
+              <a:rPr kumimoji="1" lang="en-US" altLang="zh-CN" sz="1000" b="1" dirty="0">
                 <a:solidFill>
                   <a:srgbClr val="383C57"/>
                 </a:solidFill>
                 <a:cs typeface="Arial" panose="020B0604020202020204" pitchFamily="34" charset="0"/>
-              </a:endParaRPr>
-            </a:p>
-          </p:txBody>
-        </p:sp>
-        <p:pic>
-          <p:nvPicPr>
-            <p:cNvPr id="4" name="图形 3">
-              <a:extLst>
-                <a:ext uri="{FF2B5EF4-FFF2-40B4-BE49-F238E27FC236}">
-                  <a16:creationId xmlns:a16="http://schemas.microsoft.com/office/drawing/2014/main" id="{B289B2BA-6D58-F04C-92C4-CEF48088D892}"/>
-                </a:ext>
-              </a:extLst>
-            </p:cNvPr>
-            <p:cNvPicPr>
-              <a:picLocks noChangeAspect="1"/>
-            </p:cNvPicPr>
-            <p:nvPr/>
-          </p:nvPicPr>
-          <p:blipFill>
-            <a:blip r:embed="rId2">
-              <a:extLst>
-                <a:ext uri="{28A0092B-C50C-407E-A947-70E740481C1C}">
-                  <a14:useLocalDpi xmlns:a14="http://schemas.microsoft.com/office/drawing/2010/main" val="0"/>
-                </a:ext>
-                <a:ext uri="{96DAC541-7B7A-43D3-8B79-37D633B846F1}">
-                  <asvg:svgBlip xmlns:asvg="http://schemas.microsoft.com/office/drawing/2016/SVG/main" r:embed="rId3"/>
-                </a:ext>
-              </a:extLst>
-            </a:blip>
-            <a:stretch>
-              <a:fillRect/>
-            </a:stretch>
-          </p:blipFill>
-          <p:spPr>
-            <a:xfrm>
-              <a:off x="501108" y="3147907"/>
-              <a:ext cx="437903" cy="518763"/>
-            </a:xfrm>
-            <a:prstGeom prst="rect">
-              <a:avLst/>
-            </a:prstGeom>
-          </p:spPr>
-        </p:pic>
-        <p:pic>
-          <p:nvPicPr>
-            <p:cNvPr id="6" name="图形 5">
-              <a:extLst>
-                <a:ext uri="{FF2B5EF4-FFF2-40B4-BE49-F238E27FC236}">
-                  <a16:creationId xmlns:a16="http://schemas.microsoft.com/office/drawing/2014/main" id="{D6E870BA-9992-4546-9F0F-7678EAA9C133}"/>
-                </a:ext>
-              </a:extLst>
-            </p:cNvPr>
-            <p:cNvPicPr>
-              <a:picLocks noChangeAspect="1"/>
-            </p:cNvPicPr>
-            <p:nvPr/>
-          </p:nvPicPr>
-          <p:blipFill>
-            <a:blip r:embed="rId4">
-              <a:extLst>
-                <a:ext uri="{28A0092B-C50C-407E-A947-70E740481C1C}">
-                  <a14:useLocalDpi xmlns:a14="http://schemas.microsoft.com/office/drawing/2010/main" val="0"/>
-                </a:ext>
-                <a:ext uri="{96DAC541-7B7A-43D3-8B79-37D633B846F1}">
-                  <asvg:svgBlip xmlns:asvg="http://schemas.microsoft.com/office/drawing/2016/SVG/main" r:embed="rId5"/>
-                </a:ext>
-              </a:extLst>
-            </a:blip>
-            <a:stretch>
-              <a:fillRect/>
-            </a:stretch>
-          </p:blipFill>
-          <p:spPr>
-            <a:xfrm>
-              <a:off x="4523162" y="3219176"/>
-              <a:ext cx="426496" cy="426496"/>
-            </a:xfrm>
-            <a:prstGeom prst="rect">
-              <a:avLst/>
-            </a:prstGeom>
-          </p:spPr>
-        </p:pic>
-        <p:sp>
-          <p:nvSpPr>
-            <p:cNvPr id="58" name="文本框 57">
-              <a:extLst>
-                <a:ext uri="{FF2B5EF4-FFF2-40B4-BE49-F238E27FC236}">
-                  <a16:creationId xmlns:a16="http://schemas.microsoft.com/office/drawing/2014/main" id="{00F6FB11-E3A6-E64C-9935-9B24B1F1F8E6}"/>
-                </a:ext>
-              </a:extLst>
-            </p:cNvPr>
-            <p:cNvSpPr txBox="1"/>
-            <p:nvPr/>
-          </p:nvSpPr>
-          <p:spPr>
-            <a:xfrm>
-              <a:off x="4155616" y="3600938"/>
-              <a:ext cx="1103199" cy="246221"/>
-            </a:xfrm>
-            <a:prstGeom prst="rect">
-              <a:avLst/>
-            </a:prstGeom>
-            <a:noFill/>
-          </p:spPr>
-          <p:txBody>
-            <a:bodyPr wrap="square" rtlCol="0">
-              <a:spAutoFit/>
-            </a:bodyPr>
-            <a:lstStyle/>
-            <a:p>
-              <a:pPr algn="ctr"/>
-              <a:r>
-                <a:rPr kumimoji="1" lang="en-US" altLang="zh-CN" sz="1000" b="1" dirty="0">
-                  <a:solidFill>
-                    <a:srgbClr val="383C57"/>
-                  </a:solidFill>
-                  <a:latin typeface="Arial" panose="020B0604020202020204" pitchFamily="34" charset="0"/>
-                  <a:cs typeface="Arial" panose="020B0604020202020204" pitchFamily="34" charset="0"/>
-                </a:rPr>
-                <a:t>Storage Policy</a:t>
-              </a:r>
-              <a:endParaRPr kumimoji="1" lang="zh-CN" altLang="en-US" sz="1000" b="1" dirty="0">
+              </a:rPr>
+              <a:t>Control Data </a:t>
+            </a:r>
+          </a:p>
+          <a:p>
+            <a:pPr algn="ctr">
+              <a:defRPr/>
+            </a:pPr>
+            <a:r>
+              <a:rPr kumimoji="1" lang="en-US" altLang="zh-CN" sz="1000" b="1" dirty="0">
+                <a:solidFill>
+                  <a:srgbClr val="383C57"/>
+                </a:solidFill>
+                <a:cs typeface="Arial" panose="020B0604020202020204" pitchFamily="34" charset="0"/>
+              </a:rPr>
+              <a:t>Uploading Interval</a:t>
+            </a:r>
+            <a:endParaRPr kumimoji="1" lang="zh-CN" altLang="en-US" sz="1000" b="1" dirty="0">
+              <a:solidFill>
+                <a:srgbClr val="383C57"/>
+              </a:solidFill>
+              <a:cs typeface="Arial" panose="020B0604020202020204" pitchFamily="34" charset="0"/>
+            </a:endParaRPr>
+          </a:p>
+        </p:txBody>
+      </p:sp>
+      <p:sp>
+        <p:nvSpPr>
+          <p:cNvPr id="39" name="文本框 38">
+            <a:extLst>
+              <a:ext uri="{FF2B5EF4-FFF2-40B4-BE49-F238E27FC236}">
+                <a16:creationId xmlns:a16="http://schemas.microsoft.com/office/drawing/2014/main" id="{7C859621-D6B0-4279-AD83-8E8D991AFC66}"/>
+              </a:ext>
+            </a:extLst>
+          </p:cNvPr>
+          <p:cNvSpPr txBox="1"/>
+          <p:nvPr/>
+        </p:nvSpPr>
+        <p:spPr>
+          <a:xfrm>
+            <a:off x="3119143" y="2727636"/>
+            <a:ext cx="1369601" cy="246221"/>
+          </a:xfrm>
+          <a:prstGeom prst="rect">
+            <a:avLst/>
+          </a:prstGeom>
+          <a:noFill/>
+        </p:spPr>
+        <p:txBody>
+          <a:bodyPr wrap="square" rtlCol="0">
+            <a:spAutoFit/>
+          </a:bodyPr>
+          <a:lstStyle/>
+          <a:p>
+            <a:pPr algn="ctr"/>
+            <a:r>
+              <a:rPr kumimoji="1" lang="en-US" altLang="zh-CN" sz="1000" b="1" dirty="0">
                 <a:solidFill>
                   <a:srgbClr val="383C57"/>
                 </a:solidFill>
                 <a:latin typeface="Arial" panose="020B0604020202020204" pitchFamily="34" charset="0"/>
                 <a:cs typeface="Arial" panose="020B0604020202020204" pitchFamily="34" charset="0"/>
-              </a:endParaRPr>
-            </a:p>
-          </p:txBody>
-        </p:sp>
-        <p:pic>
-          <p:nvPicPr>
-            <p:cNvPr id="9" name="图形 8">
-              <a:extLst>
-                <a:ext uri="{FF2B5EF4-FFF2-40B4-BE49-F238E27FC236}">
-                  <a16:creationId xmlns:a16="http://schemas.microsoft.com/office/drawing/2014/main" id="{10317252-98CE-4549-977C-0FE97E6E47FE}"/>
-                </a:ext>
-              </a:extLst>
-            </p:cNvPr>
-            <p:cNvPicPr>
-              <a:picLocks noChangeAspect="1"/>
-            </p:cNvPicPr>
-            <p:nvPr/>
-          </p:nvPicPr>
-          <p:blipFill>
-            <a:blip r:embed="rId6">
-              <a:extLst>
-                <a:ext uri="{28A0092B-C50C-407E-A947-70E740481C1C}">
-                  <a14:useLocalDpi xmlns:a14="http://schemas.microsoft.com/office/drawing/2010/main" val="0"/>
-                </a:ext>
-                <a:ext uri="{96DAC541-7B7A-43D3-8B79-37D633B846F1}">
-                  <asvg:svgBlip xmlns:asvg="http://schemas.microsoft.com/office/drawing/2016/SVG/main" r:embed="rId7"/>
-                </a:ext>
-              </a:extLst>
-            </a:blip>
-            <a:stretch>
-              <a:fillRect/>
-            </a:stretch>
-          </p:blipFill>
-          <p:spPr>
-            <a:xfrm>
-              <a:off x="6702087" y="3249093"/>
-              <a:ext cx="485729" cy="346949"/>
-            </a:xfrm>
-            <a:prstGeom prst="rect">
-              <a:avLst/>
-            </a:prstGeom>
-          </p:spPr>
-        </p:pic>
-        <p:sp>
-          <p:nvSpPr>
-            <p:cNvPr id="59" name="Rectangle 41">
-              <a:extLst>
-                <a:ext uri="{FF2B5EF4-FFF2-40B4-BE49-F238E27FC236}">
-                  <a16:creationId xmlns:a16="http://schemas.microsoft.com/office/drawing/2014/main" id="{A4320417-77F3-4B4B-AE87-6775B140AA35}"/>
-                </a:ext>
-              </a:extLst>
-            </p:cNvPr>
-            <p:cNvSpPr>
-              <a:spLocks noChangeArrowheads="1"/>
-            </p:cNvSpPr>
-            <p:nvPr/>
-          </p:nvSpPr>
-          <p:spPr bwMode="auto">
-            <a:xfrm>
-              <a:off x="8628080" y="3402863"/>
-              <a:ext cx="1115690" cy="307777"/>
-            </a:xfrm>
-            <a:prstGeom prst="rect">
-              <a:avLst/>
-            </a:prstGeom>
-            <a:noFill/>
-            <a:ln>
-              <a:noFill/>
-            </a:ln>
+              </a:rPr>
+              <a:t>TSDB</a:t>
+            </a:r>
+            <a:endParaRPr kumimoji="1" lang="zh-CN" altLang="en-US" sz="1000" b="1" dirty="0">
+              <a:solidFill>
+                <a:srgbClr val="383C57"/>
+              </a:solidFill>
+              <a:latin typeface="Arial" panose="020B0604020202020204" pitchFamily="34" charset="0"/>
+              <a:cs typeface="Arial" panose="020B0604020202020204" pitchFamily="34" charset="0"/>
+            </a:endParaRPr>
+          </a:p>
+        </p:txBody>
+      </p:sp>
+      <p:sp>
+        <p:nvSpPr>
+          <p:cNvPr id="42" name="文本框 41">
             <a:extLst>
-              <a:ext uri="{909E8E84-426E-40DD-AFC4-6F175D3DCCD1}">
-                <a14:hiddenFill xmlns:a14="http://schemas.microsoft.com/office/drawing/2010/main">
-                  <a:solidFill>
-                    <a:srgbClr val="FFFFFF"/>
-                  </a:solidFill>
-                </a14:hiddenFill>
-              </a:ext>
-              <a:ext uri="{91240B29-F687-4F45-9708-019B960494DF}">
-                <a14:hiddenLine xmlns:a14="http://schemas.microsoft.com/office/drawing/2010/main" w="9525">
-                  <a:solidFill>
-                    <a:srgbClr val="000000"/>
-                  </a:solidFill>
-                  <a:miter lim="800000"/>
-                  <a:headEnd/>
-                  <a:tailEnd/>
-                </a14:hiddenLine>
+              <a:ext uri="{FF2B5EF4-FFF2-40B4-BE49-F238E27FC236}">
+                <a16:creationId xmlns:a16="http://schemas.microsoft.com/office/drawing/2014/main" id="{A0983743-49E2-4E75-AF5B-74E17FF9E72E}"/>
               </a:ext>
             </a:extLst>
-          </p:spPr>
-          <p:txBody>
-            <a:bodyPr vert="horz" wrap="none" lIns="0" tIns="0" rIns="0" bIns="0" numCol="1" anchor="t" anchorCtr="0" compatLnSpc="1">
-              <a:prstTxWarp prst="textNoShape">
-                <a:avLst/>
-              </a:prstTxWarp>
-              <a:spAutoFit/>
-            </a:bodyPr>
-            <a:lstStyle>
-              <a:lvl1pPr eaLnBrk="0" fontAlgn="base" hangingPunct="0">
-                <a:spcBef>
-                  <a:spcPct val="0"/>
-                </a:spcBef>
-                <a:spcAft>
-                  <a:spcPct val="0"/>
-                </a:spcAft>
-                <a:defRPr>
-                  <a:solidFill>
-                    <a:schemeClr val="tx1"/>
-                  </a:solidFill>
-                  <a:latin typeface="Arial" panose="020B0604020202020204" pitchFamily="34" charset="0"/>
-                </a:defRPr>
-              </a:lvl1pPr>
-              <a:lvl2pPr eaLnBrk="0" fontAlgn="base" hangingPunct="0">
-                <a:spcBef>
-                  <a:spcPct val="0"/>
-                </a:spcBef>
-                <a:spcAft>
-                  <a:spcPct val="0"/>
-                </a:spcAft>
-                <a:defRPr>
-                  <a:solidFill>
-                    <a:schemeClr val="tx1"/>
-                  </a:solidFill>
-                  <a:latin typeface="Arial" panose="020B0604020202020204" pitchFamily="34" charset="0"/>
-                </a:defRPr>
-              </a:lvl2pPr>
-              <a:lvl3pPr eaLnBrk="0" fontAlgn="base" hangingPunct="0">
-                <a:spcBef>
-                  <a:spcPct val="0"/>
-                </a:spcBef>
-                <a:spcAft>
-                  <a:spcPct val="0"/>
-                </a:spcAft>
-                <a:defRPr>
-                  <a:solidFill>
-                    <a:schemeClr val="tx1"/>
-                  </a:solidFill>
-                  <a:latin typeface="Arial" panose="020B0604020202020204" pitchFamily="34" charset="0"/>
-                </a:defRPr>
-              </a:lvl3pPr>
-              <a:lvl4pPr eaLnBrk="0" fontAlgn="base" hangingPunct="0">
-                <a:spcBef>
-                  <a:spcPct val="0"/>
-                </a:spcBef>
-                <a:spcAft>
-                  <a:spcPct val="0"/>
-                </a:spcAft>
-                <a:defRPr>
-                  <a:solidFill>
-                    <a:schemeClr val="tx1"/>
-                  </a:solidFill>
-                  <a:latin typeface="Arial" panose="020B0604020202020204" pitchFamily="34" charset="0"/>
-                </a:defRPr>
-              </a:lvl4pPr>
-              <a:lvl5pPr eaLnBrk="0" fontAlgn="base" hangingPunct="0">
-                <a:spcBef>
-                  <a:spcPct val="0"/>
-                </a:spcBef>
-                <a:spcAft>
-                  <a:spcPct val="0"/>
-                </a:spcAft>
-                <a:defRPr>
-                  <a:solidFill>
-                    <a:schemeClr val="tx1"/>
-                  </a:solidFill>
-                  <a:latin typeface="Arial" panose="020B0604020202020204" pitchFamily="34" charset="0"/>
-                </a:defRPr>
-              </a:lvl5pPr>
-              <a:lvl6pPr eaLnBrk="0" fontAlgn="base" hangingPunct="0">
-                <a:spcBef>
-                  <a:spcPct val="0"/>
-                </a:spcBef>
-                <a:spcAft>
-                  <a:spcPct val="0"/>
-                </a:spcAft>
-                <a:defRPr>
-                  <a:solidFill>
-                    <a:schemeClr val="tx1"/>
-                  </a:solidFill>
-                  <a:latin typeface="Arial" panose="020B0604020202020204" pitchFamily="34" charset="0"/>
-                </a:defRPr>
-              </a:lvl6pPr>
-              <a:lvl7pPr eaLnBrk="0" fontAlgn="base" hangingPunct="0">
-                <a:spcBef>
-                  <a:spcPct val="0"/>
-                </a:spcBef>
-                <a:spcAft>
-                  <a:spcPct val="0"/>
-                </a:spcAft>
-                <a:defRPr>
-                  <a:solidFill>
-                    <a:schemeClr val="tx1"/>
-                  </a:solidFill>
-                  <a:latin typeface="Arial" panose="020B0604020202020204" pitchFamily="34" charset="0"/>
-                </a:defRPr>
-              </a:lvl7pPr>
-              <a:lvl8pPr eaLnBrk="0" fontAlgn="base" hangingPunct="0">
-                <a:spcBef>
-                  <a:spcPct val="0"/>
-                </a:spcBef>
-                <a:spcAft>
-                  <a:spcPct val="0"/>
-                </a:spcAft>
-                <a:defRPr>
-                  <a:solidFill>
-                    <a:schemeClr val="tx1"/>
-                  </a:solidFill>
-                  <a:latin typeface="Arial" panose="020B0604020202020204" pitchFamily="34" charset="0"/>
-                </a:defRPr>
-              </a:lvl8pPr>
-              <a:lvl9pPr eaLnBrk="0" fontAlgn="base" hangingPunct="0">
-                <a:spcBef>
-                  <a:spcPct val="0"/>
-                </a:spcBef>
-                <a:spcAft>
-                  <a:spcPct val="0"/>
-                </a:spcAft>
-                <a:defRPr>
-                  <a:solidFill>
-                    <a:schemeClr val="tx1"/>
-                  </a:solidFill>
-                  <a:latin typeface="Arial" panose="020B0604020202020204" pitchFamily="34" charset="0"/>
-                </a:defRPr>
-              </a:lvl9pPr>
-            </a:lstStyle>
-            <a:p>
-              <a:pPr algn="ctr">
-                <a:defRPr/>
-              </a:pPr>
-              <a:r>
-                <a:rPr kumimoji="1" lang="en-US" altLang="zh-CN" sz="1000" b="1" dirty="0">
-                  <a:solidFill>
-                    <a:srgbClr val="383C57"/>
-                  </a:solidFill>
-                  <a:cs typeface="Arial" panose="020B0604020202020204" pitchFamily="34" charset="0"/>
-                </a:rPr>
-                <a:t>Control Data </a:t>
-              </a:r>
-            </a:p>
-            <a:p>
-              <a:pPr algn="ctr">
-                <a:defRPr/>
-              </a:pPr>
-              <a:r>
-                <a:rPr kumimoji="1" lang="en-US" altLang="zh-CN" sz="1000" b="1" dirty="0">
-                  <a:solidFill>
-                    <a:srgbClr val="383C57"/>
-                  </a:solidFill>
-                  <a:cs typeface="Arial" panose="020B0604020202020204" pitchFamily="34" charset="0"/>
-                </a:rPr>
-                <a:t>Uploading Interval</a:t>
-              </a:r>
-              <a:endParaRPr kumimoji="1" lang="zh-CN" altLang="en-US" sz="1000" b="1" dirty="0">
+          </p:cNvPr>
+          <p:cNvSpPr txBox="1"/>
+          <p:nvPr/>
+        </p:nvSpPr>
+        <p:spPr>
+          <a:xfrm>
+            <a:off x="5256625" y="2756766"/>
+            <a:ext cx="1502007" cy="246221"/>
+          </a:xfrm>
+          <a:prstGeom prst="rect">
+            <a:avLst/>
+          </a:prstGeom>
+          <a:noFill/>
+        </p:spPr>
+        <p:txBody>
+          <a:bodyPr wrap="square" rtlCol="0">
+            <a:spAutoFit/>
+          </a:bodyPr>
+          <a:lstStyle/>
+          <a:p>
+            <a:pPr algn="ctr"/>
+            <a:r>
+              <a:rPr kumimoji="1" lang="en-US" altLang="zh-CN" sz="1000" b="1" dirty="0">
                 <a:solidFill>
                   <a:srgbClr val="383C57"/>
                 </a:solidFill>
+                <a:latin typeface="Arial" panose="020B0604020202020204" pitchFamily="34" charset="0"/>
                 <a:cs typeface="Arial" panose="020B0604020202020204" pitchFamily="34" charset="0"/>
-              </a:endParaRPr>
-            </a:p>
-          </p:txBody>
-        </p:sp>
-      </p:grpSp>
+              </a:rPr>
+              <a:t>Event Service</a:t>
+            </a:r>
+            <a:endParaRPr kumimoji="1" lang="zh-CN" altLang="en-US" sz="1000" b="1" dirty="0">
+              <a:solidFill>
+                <a:srgbClr val="383C57"/>
+              </a:solidFill>
+              <a:latin typeface="Arial" panose="020B0604020202020204" pitchFamily="34" charset="0"/>
+              <a:cs typeface="Arial" panose="020B0604020202020204" pitchFamily="34" charset="0"/>
+            </a:endParaRPr>
+          </a:p>
+        </p:txBody>
+      </p:sp>
+      <p:sp>
+        <p:nvSpPr>
+          <p:cNvPr id="43" name="文本框 42">
+            <a:extLst>
+              <a:ext uri="{FF2B5EF4-FFF2-40B4-BE49-F238E27FC236}">
+                <a16:creationId xmlns:a16="http://schemas.microsoft.com/office/drawing/2014/main" id="{6066F8EA-F5C4-44FE-8EA1-29B662896A51}"/>
+              </a:ext>
+            </a:extLst>
+          </p:cNvPr>
+          <p:cNvSpPr txBox="1"/>
+          <p:nvPr/>
+        </p:nvSpPr>
+        <p:spPr>
+          <a:xfrm>
+            <a:off x="7469154" y="2738243"/>
+            <a:ext cx="1502007" cy="246221"/>
+          </a:xfrm>
+          <a:prstGeom prst="rect">
+            <a:avLst/>
+          </a:prstGeom>
+          <a:noFill/>
+        </p:spPr>
+        <p:txBody>
+          <a:bodyPr wrap="square" rtlCol="0">
+            <a:spAutoFit/>
+          </a:bodyPr>
+          <a:lstStyle/>
+          <a:p>
+            <a:pPr algn="ctr"/>
+            <a:r>
+              <a:rPr kumimoji="1" lang="en-US" altLang="zh-CN" sz="1000" b="1" dirty="0">
+                <a:solidFill>
+                  <a:srgbClr val="383C57"/>
+                </a:solidFill>
+                <a:latin typeface="Arial" panose="020B0604020202020204" pitchFamily="34" charset="0"/>
+                <a:cs typeface="Arial" panose="020B0604020202020204" pitchFamily="34" charset="0"/>
+              </a:rPr>
+              <a:t>Command Service</a:t>
+            </a:r>
+            <a:endParaRPr kumimoji="1" lang="zh-CN" altLang="en-US" sz="1000" b="1" dirty="0">
+              <a:solidFill>
+                <a:srgbClr val="383C57"/>
+              </a:solidFill>
+              <a:latin typeface="Arial" panose="020B0604020202020204" pitchFamily="34" charset="0"/>
+              <a:cs typeface="Arial" panose="020B0604020202020204" pitchFamily="34" charset="0"/>
+            </a:endParaRPr>
+          </a:p>
+        </p:txBody>
+      </p:sp>
+      <p:sp>
+        <p:nvSpPr>
+          <p:cNvPr id="44" name="文本框 43">
+            <a:extLst>
+              <a:ext uri="{FF2B5EF4-FFF2-40B4-BE49-F238E27FC236}">
+                <a16:creationId xmlns:a16="http://schemas.microsoft.com/office/drawing/2014/main" id="{97DCA0D2-E375-41E1-AC58-56111B7F261B}"/>
+              </a:ext>
+            </a:extLst>
+          </p:cNvPr>
+          <p:cNvSpPr txBox="1"/>
+          <p:nvPr/>
+        </p:nvSpPr>
+        <p:spPr>
+          <a:xfrm>
+            <a:off x="9720398" y="2710913"/>
+            <a:ext cx="1502007" cy="246221"/>
+          </a:xfrm>
+          <a:prstGeom prst="rect">
+            <a:avLst/>
+          </a:prstGeom>
+          <a:noFill/>
+        </p:spPr>
+        <p:txBody>
+          <a:bodyPr wrap="square" rtlCol="0">
+            <a:spAutoFit/>
+          </a:bodyPr>
+          <a:lstStyle/>
+          <a:p>
+            <a:pPr algn="ctr"/>
+            <a:r>
+              <a:rPr kumimoji="1" lang="en-US" altLang="zh-CN" sz="1000" b="1" dirty="0">
+                <a:solidFill>
+                  <a:srgbClr val="383C57"/>
+                </a:solidFill>
+                <a:latin typeface="Arial" panose="020B0604020202020204" pitchFamily="34" charset="0"/>
+                <a:cs typeface="Arial" panose="020B0604020202020204" pitchFamily="34" charset="0"/>
+              </a:rPr>
+              <a:t>Stream Engine</a:t>
+            </a:r>
+            <a:endParaRPr kumimoji="1" lang="zh-CN" altLang="en-US" sz="1000" b="1" dirty="0">
+              <a:solidFill>
+                <a:srgbClr val="383C57"/>
+              </a:solidFill>
+              <a:latin typeface="Arial" panose="020B0604020202020204" pitchFamily="34" charset="0"/>
+              <a:cs typeface="Arial" panose="020B0604020202020204" pitchFamily="34" charset="0"/>
+            </a:endParaRPr>
+          </a:p>
+        </p:txBody>
+      </p:sp>
     </p:spTree>
     <p:extLst>
       <p:ext uri="{BB962C8B-B14F-4D97-AF65-F5344CB8AC3E}">
-        <p14:creationId xmlns:p14="http://schemas.microsoft.com/office/powerpoint/2010/main" val="2216076991"/>
+        <p14:creationId xmlns:p14="http://schemas.microsoft.com/office/powerpoint/2010/main" val="2687747706"/>
       </p:ext>
     </p:extLst>
   </p:cSld>
